--- a/Test/Presentations/update_result.pptx
+++ b/Test/Presentations/update_result.pptx
@@ -8,11 +8,11 @@
     <p:notesMasterId r:id="rId5"/>
   </p:notesMasterIdLst>
   <p:sldIdLst>
-    <p:sldId id="259" r:id="Rc294293770ff4c9d"/>
-    <p:sldId id="260" r:id="R65fedcc74ed044cc"/>
-    <p:sldId id="261" r:id="R3f56f07d611748c3"/>
-    <p:sldId id="262" r:id="R454dbd9bcf304686"/>
-    <p:sldId id="263" r:id="R3b4eeb78ec944c7e"/>
+    <p:sldId id="259" r:id="R038a436508c14b3f"/>
+    <p:sldId id="260" r:id="R298235c9a1264000"/>
+    <p:sldId id="261" r:id="R4d09419379ce4c6f"/>
+    <p:sldId id="262" r:id="Re6ea3c4117fb4167"/>
+    <p:sldId id="263" r:id="R58f56c5ad21b46ca"/>
   </p:sldIdLst>
   <p:sldSz cx="12192000" cy="6858000"/>
   <p:notesSz cx="6858000" cy="9144000"/>
@@ -3744,7 +3744,7 @@
                   </a:schemeClr>
                 </a:solidFill>
               </a:rPr>
-              <a:t>Date: 06.03.2024 14:24</a:t>
+              <a:t>Date: 20.09.2024</a:t>
             </a:r>
             <a:endParaRPr lang="ru-RU" dirty="0">
               <a:solidFill>
@@ -3759,16 +3759,16 @@
       </p:sp>
       <p:pic>
         <p:nvPicPr>
-          <p:cNvPr id="3" name="Image Shape b8f9cac7-a28f-433c-9c18-604e023c8b1d"/>
+          <p:cNvPr id="3" name="Image Shape 89f13565-b9c6-49f4-95ca-a4090285abb4"/>
           <p:cNvPicPr>
             <a:picLocks noChangeAspect="1"/>
           </p:cNvPicPr>
           <p:nvPr/>
         </p:nvPicPr>
         <p:blipFill>
-          <a:blip r:embed="Rfc19a12f2ec947cb">
-            <a:extLst>
-              <a:ext uri="{b8f9cac7-a28f-433c-9c18-604e023c8b1d}">
+          <a:blip r:embed="R08bebc44e69c4e2d">
+            <a:extLst>
+              <a:ext uri="{89f13565-b9c6-49f4-95ca-a4090285abb4}">
                 <a14:useLocalDpi xmlns:a14="http://schemas.microsoft.com/office/drawing/2010/main" val="0"/>
               </a:ext>
             </a:extLst>
@@ -3852,7 +3852,7 @@
                   </a:schemeClr>
                 </a:solidFill>
               </a:rPr>
-              <a:t>06 March 2024</a:t>
+              <a:t>20 September 2024</a:t>
             </a:r>
             <a:endParaRPr lang="ru-RU" sz="2000" dirty="0"/>
           </a:p>
@@ -4133,7 +4133,7 @@
                     <a:p>
                       <a:r>
                         <a:rPr lang="en-US" dirty="0"/>
-                        <a:t>1980-09-13</a:t>
+                        <a:t>1999-11-09</a:t>
                       </a:r>
                       <a:endParaRPr lang="ru-RU" dirty="0"/>
                     </a:p>
@@ -4182,7 +4182,7 @@
                     <a:p>
                       <a:r>
                         <a:rPr lang="en-US" dirty="0"/>
-                        <a:t>1997-03-17</a:t>
+                        <a:t>1996-04-29</a:t>
                       </a:r>
                       <a:endParaRPr lang="ru-RU" dirty="0"/>
                     </a:p>
@@ -4231,7 +4231,7 @@
                     <a:p>
                       <a:r>
                         <a:rPr lang="en-US" dirty="0"/>
-                        <a:t>1990-03-29</a:t>
+                        <a:t>1986-09-13</a:t>
                       </a:r>
                       <a:endParaRPr lang="ru-RU" dirty="0"/>
                     </a:p>
@@ -4280,7 +4280,7 @@
                     <a:p>
                       <a:r>
                         <a:rPr lang="en-US" dirty="0"/>
-                        <a:t>1987-01-13</a:t>
+                        <a:t>1987-02-22</a:t>
                       </a:r>
                       <a:endParaRPr lang="ru-RU" dirty="0"/>
                     </a:p>
@@ -4329,7 +4329,7 @@
                     <a:p>
                       <a:r>
                         <a:rPr lang="en-US" dirty="0"/>
-                        <a:t>1996-09-17</a:t>
+                        <a:t>1999-03-11</a:t>
                       </a:r>
                       <a:endParaRPr lang="ru-RU" dirty="0"/>
                     </a:p>
@@ -4378,7 +4378,7 @@
                     <a:p>
                       <a:r>
                         <a:rPr lang="en-US" dirty="0"/>
-                        <a:t>1995-10-27</a:t>
+                        <a:t>1989-11-19</a:t>
                       </a:r>
                       <a:endParaRPr lang="ru-RU" dirty="0"/>
                     </a:p>
@@ -4427,56 +4427,7 @@
                     <a:p>
                       <a:r>
                         <a:rPr lang="en-US" dirty="0"/>
-                        <a:t>1985-02-18</a:t>
-                      </a:r>
-                      <a:endParaRPr lang="ru-RU" dirty="0"/>
-                    </a:p>
-                  </a:txBody>
-                  <a:tcPr/>
-                </a:tc>
-                <a:extLst>
-                  <a:ext uri="{0D108BD9-81ED-4DB2-BD59-A6C34878D82A}">
-                    <a16:rowId xmlns:a16="http://schemas.microsoft.com/office/drawing/2014/main" val="109181570"/>
-                  </a:ext>
-                </a:extLst>
-              </a:tr>
-              <a:tr h="370840">
-                <a:tc>
-                  <a:txBody>
-                    <a:bodyPr/>
-                    <a:lstStyle/>
-                    <a:p>
-                      <a:r>
-                        <a:rPr lang="en-US"/>
-                        <a:t>Employee #8</a:t>
-                      </a:r>
-                      <a:endParaRPr lang="ru-RU" dirty="0"/>
-                    </a:p>
-                  </a:txBody>
-                  <a:tcPr/>
-                </a:tc>
-                <a:tc>
-                  <a:txBody>
-                    <a:bodyPr/>
-                    <a:lstStyle/>
-                    <a:p>
-                      <a:r>
-                        <a:rPr lang="en-US" dirty="0"/>
-                        <a:t>emp8@company1.test</a:t>
-                      </a:r>
-                      <a:endParaRPr lang="ru-RU" dirty="0"/>
-                    </a:p>
-                  </a:txBody>
-                  <a:tcPr/>
-                </a:tc>
-                <a:tc>
-                  <a:txBody>
-                    <a:bodyPr/>
-                    <a:lstStyle/>
-                    <a:p>
-                      <a:r>
-                        <a:rPr lang="en-US" dirty="0"/>
-                        <a:t>1989-05-05</a:t>
+                        <a:t>1988-08-05</a:t>
                       </a:r>
                       <a:endParaRPr lang="ru-RU" dirty="0"/>
                     </a:p>
@@ -4710,7 +4661,7 @@
                     <a:p>
                       <a:r>
                         <a:rPr lang="en-US" dirty="0"/>
-                        <a:t>1997-05-19</a:t>
+                        <a:t>1990-04-06</a:t>
                       </a:r>
                       <a:endParaRPr lang="ru-RU" dirty="0"/>
                     </a:p>
@@ -4759,7 +4710,7 @@
                     <a:p>
                       <a:r>
                         <a:rPr lang="en-US" dirty="0"/>
-                        <a:t>1980-09-28</a:t>
+                        <a:t>1992-08-25</a:t>
                       </a:r>
                       <a:endParaRPr lang="ru-RU" dirty="0"/>
                     </a:p>
@@ -4808,7 +4759,7 @@
                     <a:p>
                       <a:r>
                         <a:rPr lang="en-US" dirty="0"/>
-                        <a:t>1987-10-17</a:t>
+                        <a:t>1990-04-19</a:t>
                       </a:r>
                       <a:endParaRPr lang="ru-RU" dirty="0"/>
                     </a:p>
@@ -4857,7 +4808,7 @@
                     <a:p>
                       <a:r>
                         <a:rPr lang="en-US" dirty="0"/>
-                        <a:t>1984-05-05</a:t>
+                        <a:t>1994-11-12</a:t>
                       </a:r>
                       <a:endParaRPr lang="ru-RU" dirty="0"/>
                     </a:p>
@@ -4906,7 +4857,203 @@
                     <a:p>
                       <a:r>
                         <a:rPr lang="en-US" dirty="0"/>
-                        <a:t>1986-01-17</a:t>
+                        <a:t>1980-10-21</a:t>
+                      </a:r>
+                      <a:endParaRPr lang="ru-RU" dirty="0"/>
+                    </a:p>
+                  </a:txBody>
+                  <a:tcPr/>
+                </a:tc>
+                <a:extLst>
+                  <a:ext uri="{0D108BD9-81ED-4DB2-BD59-A6C34878D82A}">
+                    <a16:rowId xmlns:a16="http://schemas.microsoft.com/office/drawing/2014/main" val="109181570"/>
+                  </a:ext>
+                </a:extLst>
+              </a:tr>
+              <a:tr h="370840">
+                <a:tc>
+                  <a:txBody>
+                    <a:bodyPr/>
+                    <a:lstStyle/>
+                    <a:p>
+                      <a:r>
+                        <a:rPr lang="en-US"/>
+                        <a:t>Employee #6</a:t>
+                      </a:r>
+                      <a:endParaRPr lang="ru-RU" dirty="0"/>
+                    </a:p>
+                  </a:txBody>
+                  <a:tcPr/>
+                </a:tc>
+                <a:tc>
+                  <a:txBody>
+                    <a:bodyPr/>
+                    <a:lstStyle/>
+                    <a:p>
+                      <a:r>
+                        <a:rPr lang="en-US" dirty="0"/>
+                        <a:t>emp6@company2.test</a:t>
+                      </a:r>
+                      <a:endParaRPr lang="ru-RU" dirty="0"/>
+                    </a:p>
+                  </a:txBody>
+                  <a:tcPr/>
+                </a:tc>
+                <a:tc>
+                  <a:txBody>
+                    <a:bodyPr/>
+                    <a:lstStyle/>
+                    <a:p>
+                      <a:r>
+                        <a:rPr lang="en-US" dirty="0"/>
+                        <a:t>1994-10-22</a:t>
+                      </a:r>
+                      <a:endParaRPr lang="ru-RU" dirty="0"/>
+                    </a:p>
+                  </a:txBody>
+                  <a:tcPr/>
+                </a:tc>
+                <a:extLst>
+                  <a:ext uri="{0D108BD9-81ED-4DB2-BD59-A6C34878D82A}">
+                    <a16:rowId xmlns:a16="http://schemas.microsoft.com/office/drawing/2014/main" val="109181570"/>
+                  </a:ext>
+                </a:extLst>
+              </a:tr>
+              <a:tr h="370840">
+                <a:tc>
+                  <a:txBody>
+                    <a:bodyPr/>
+                    <a:lstStyle/>
+                    <a:p>
+                      <a:r>
+                        <a:rPr lang="en-US"/>
+                        <a:t>Employee #7</a:t>
+                      </a:r>
+                      <a:endParaRPr lang="ru-RU" dirty="0"/>
+                    </a:p>
+                  </a:txBody>
+                  <a:tcPr/>
+                </a:tc>
+                <a:tc>
+                  <a:txBody>
+                    <a:bodyPr/>
+                    <a:lstStyle/>
+                    <a:p>
+                      <a:r>
+                        <a:rPr lang="en-US" dirty="0"/>
+                        <a:t>emp7@company2.test</a:t>
+                      </a:r>
+                      <a:endParaRPr lang="ru-RU" dirty="0"/>
+                    </a:p>
+                  </a:txBody>
+                  <a:tcPr/>
+                </a:tc>
+                <a:tc>
+                  <a:txBody>
+                    <a:bodyPr/>
+                    <a:lstStyle/>
+                    <a:p>
+                      <a:r>
+                        <a:rPr lang="en-US" dirty="0"/>
+                        <a:t>1984-06-08</a:t>
+                      </a:r>
+                      <a:endParaRPr lang="ru-RU" dirty="0"/>
+                    </a:p>
+                  </a:txBody>
+                  <a:tcPr/>
+                </a:tc>
+                <a:extLst>
+                  <a:ext uri="{0D108BD9-81ED-4DB2-BD59-A6C34878D82A}">
+                    <a16:rowId xmlns:a16="http://schemas.microsoft.com/office/drawing/2014/main" val="109181570"/>
+                  </a:ext>
+                </a:extLst>
+              </a:tr>
+              <a:tr h="370840">
+                <a:tc>
+                  <a:txBody>
+                    <a:bodyPr/>
+                    <a:lstStyle/>
+                    <a:p>
+                      <a:r>
+                        <a:rPr lang="en-US"/>
+                        <a:t>Employee #8</a:t>
+                      </a:r>
+                      <a:endParaRPr lang="ru-RU" dirty="0"/>
+                    </a:p>
+                  </a:txBody>
+                  <a:tcPr/>
+                </a:tc>
+                <a:tc>
+                  <a:txBody>
+                    <a:bodyPr/>
+                    <a:lstStyle/>
+                    <a:p>
+                      <a:r>
+                        <a:rPr lang="en-US" dirty="0"/>
+                        <a:t>emp8@company2.test</a:t>
+                      </a:r>
+                      <a:endParaRPr lang="ru-RU" dirty="0"/>
+                    </a:p>
+                  </a:txBody>
+                  <a:tcPr/>
+                </a:tc>
+                <a:tc>
+                  <a:txBody>
+                    <a:bodyPr/>
+                    <a:lstStyle/>
+                    <a:p>
+                      <a:r>
+                        <a:rPr lang="en-US" dirty="0"/>
+                        <a:t>1988-11-02</a:t>
+                      </a:r>
+                      <a:endParaRPr lang="ru-RU" dirty="0"/>
+                    </a:p>
+                  </a:txBody>
+                  <a:tcPr/>
+                </a:tc>
+                <a:extLst>
+                  <a:ext uri="{0D108BD9-81ED-4DB2-BD59-A6C34878D82A}">
+                    <a16:rowId xmlns:a16="http://schemas.microsoft.com/office/drawing/2014/main" val="109181570"/>
+                  </a:ext>
+                </a:extLst>
+              </a:tr>
+              <a:tr h="370840">
+                <a:tc>
+                  <a:txBody>
+                    <a:bodyPr/>
+                    <a:lstStyle/>
+                    <a:p>
+                      <a:r>
+                        <a:rPr lang="en-US"/>
+                        <a:t>Employee #9</a:t>
+                      </a:r>
+                      <a:endParaRPr lang="ru-RU" dirty="0"/>
+                    </a:p>
+                  </a:txBody>
+                  <a:tcPr/>
+                </a:tc>
+                <a:tc>
+                  <a:txBody>
+                    <a:bodyPr/>
+                    <a:lstStyle/>
+                    <a:p>
+                      <a:r>
+                        <a:rPr lang="en-US" dirty="0"/>
+                        <a:t>emp9@company2.test</a:t>
+                      </a:r>
+                      <a:endParaRPr lang="ru-RU" dirty="0"/>
+                    </a:p>
+                  </a:txBody>
+                  <a:tcPr/>
+                </a:tc>
+                <a:tc>
+                  <a:txBody>
+                    <a:bodyPr/>
+                    <a:lstStyle/>
+                    <a:p>
+                      <a:r>
+                        <a:rPr lang="en-US" dirty="0"/>
+                        <a:t>1983-02-03</a:t>
                       </a:r>
                       <a:endParaRPr lang="ru-RU" dirty="0"/>
                     </a:p>
@@ -5140,7 +5287,7 @@
                     <a:p>
                       <a:r>
                         <a:rPr lang="en-US" dirty="0"/>
-                        <a:t>1987-03-27</a:t>
+                        <a:t>1993-10-09</a:t>
                       </a:r>
                       <a:endParaRPr lang="ru-RU" dirty="0"/>
                     </a:p>
@@ -5189,7 +5336,7 @@
                     <a:p>
                       <a:r>
                         <a:rPr lang="en-US" dirty="0"/>
-                        <a:t>1989-06-27</a:t>
+                        <a:t>1995-04-17</a:t>
                       </a:r>
                       <a:endParaRPr lang="ru-RU" dirty="0"/>
                     </a:p>
@@ -5238,7 +5385,7 @@
                     <a:p>
                       <a:r>
                         <a:rPr lang="en-US" dirty="0"/>
-                        <a:t>1999-05-30</a:t>
+                        <a:t>1986-04-17</a:t>
                       </a:r>
                       <a:endParaRPr lang="ru-RU" dirty="0"/>
                     </a:p>
@@ -5287,7 +5434,7 @@
                     <a:p>
                       <a:r>
                         <a:rPr lang="en-US" dirty="0"/>
-                        <a:t>1996-03-02</a:t>
+                        <a:t>1999-01-10</a:t>
                       </a:r>
                       <a:endParaRPr lang="ru-RU" dirty="0"/>
                     </a:p>
@@ -5336,105 +5483,7 @@
                     <a:p>
                       <a:r>
                         <a:rPr lang="en-US" dirty="0"/>
-                        <a:t>1985-09-19</a:t>
-                      </a:r>
-                      <a:endParaRPr lang="ru-RU" dirty="0"/>
-                    </a:p>
-                  </a:txBody>
-                  <a:tcPr/>
-                </a:tc>
-                <a:extLst>
-                  <a:ext uri="{0D108BD9-81ED-4DB2-BD59-A6C34878D82A}">
-                    <a16:rowId xmlns:a16="http://schemas.microsoft.com/office/drawing/2014/main" val="109181570"/>
-                  </a:ext>
-                </a:extLst>
-              </a:tr>
-              <a:tr h="370840">
-                <a:tc>
-                  <a:txBody>
-                    <a:bodyPr/>
-                    <a:lstStyle/>
-                    <a:p>
-                      <a:r>
-                        <a:rPr lang="en-US"/>
-                        <a:t>Employee #6</a:t>
-                      </a:r>
-                      <a:endParaRPr lang="ru-RU" dirty="0"/>
-                    </a:p>
-                  </a:txBody>
-                  <a:tcPr/>
-                </a:tc>
-                <a:tc>
-                  <a:txBody>
-                    <a:bodyPr/>
-                    <a:lstStyle/>
-                    <a:p>
-                      <a:r>
-                        <a:rPr lang="en-US" dirty="0"/>
-                        <a:t>emp6@company3.test</a:t>
-                      </a:r>
-                      <a:endParaRPr lang="ru-RU" dirty="0"/>
-                    </a:p>
-                  </a:txBody>
-                  <a:tcPr/>
-                </a:tc>
-                <a:tc>
-                  <a:txBody>
-                    <a:bodyPr/>
-                    <a:lstStyle/>
-                    <a:p>
-                      <a:r>
-                        <a:rPr lang="en-US" dirty="0"/>
-                        <a:t>1993-05-11</a:t>
-                      </a:r>
-                      <a:endParaRPr lang="ru-RU" dirty="0"/>
-                    </a:p>
-                  </a:txBody>
-                  <a:tcPr/>
-                </a:tc>
-                <a:extLst>
-                  <a:ext uri="{0D108BD9-81ED-4DB2-BD59-A6C34878D82A}">
-                    <a16:rowId xmlns:a16="http://schemas.microsoft.com/office/drawing/2014/main" val="109181570"/>
-                  </a:ext>
-                </a:extLst>
-              </a:tr>
-              <a:tr h="370840">
-                <a:tc>
-                  <a:txBody>
-                    <a:bodyPr/>
-                    <a:lstStyle/>
-                    <a:p>
-                      <a:r>
-                        <a:rPr lang="en-US"/>
-                        <a:t>Employee #7</a:t>
-                      </a:r>
-                      <a:endParaRPr lang="ru-RU" dirty="0"/>
-                    </a:p>
-                  </a:txBody>
-                  <a:tcPr/>
-                </a:tc>
-                <a:tc>
-                  <a:txBody>
-                    <a:bodyPr/>
-                    <a:lstStyle/>
-                    <a:p>
-                      <a:r>
-                        <a:rPr lang="en-US" dirty="0"/>
-                        <a:t>emp7@company3.test</a:t>
-                      </a:r>
-                      <a:endParaRPr lang="ru-RU" dirty="0"/>
-                    </a:p>
-                  </a:txBody>
-                  <a:tcPr/>
-                </a:tc>
-                <a:tc>
-                  <a:txBody>
-                    <a:bodyPr/>
-                    <a:lstStyle/>
-                    <a:p>
-                      <a:r>
-                        <a:rPr lang="en-US" dirty="0"/>
-                        <a:t>1984-03-17</a:t>
+                        <a:t>1988-07-23</a:t>
                       </a:r>
                       <a:endParaRPr lang="ru-RU" dirty="0"/>
                     </a:p>

--- a/Test/Presentations/update_result.pptx
+++ b/Test/Presentations/update_result.pptx
@@ -8,11 +8,11 @@
     <p:notesMasterId r:id="rId5"/>
   </p:notesMasterIdLst>
   <p:sldIdLst>
-    <p:sldId id="259" r:id="R038a436508c14b3f"/>
-    <p:sldId id="260" r:id="R298235c9a1264000"/>
-    <p:sldId id="261" r:id="R4d09419379ce4c6f"/>
-    <p:sldId id="262" r:id="Re6ea3c4117fb4167"/>
-    <p:sldId id="263" r:id="R58f56c5ad21b46ca"/>
+    <p:sldId id="259" r:id="Rc61e32f80bfb4b49"/>
+    <p:sldId id="260" r:id="R09ec757c131c495a"/>
+    <p:sldId id="261" r:id="R72600f2eb24842bf"/>
+    <p:sldId id="262" r:id="R192d8c05cbe14e8b"/>
+    <p:sldId id="263" r:id="Re391a6e7a9d84813"/>
   </p:sldIdLst>
   <p:sldSz cx="12192000" cy="6858000"/>
   <p:notesSz cx="6858000" cy="9144000"/>
@@ -3744,7 +3744,7 @@
                   </a:schemeClr>
                 </a:solidFill>
               </a:rPr>
-              <a:t>Date: 20.09.2024</a:t>
+              <a:t>Date: 23.09.2024</a:t>
             </a:r>
             <a:endParaRPr lang="ru-RU" dirty="0">
               <a:solidFill>
@@ -3759,16 +3759,44 @@
       </p:sp>
       <p:pic>
         <p:nvPicPr>
-          <p:cNvPr id="3" name="Image Shape 89f13565-b9c6-49f4-95ca-a4090285abb4"/>
+          <p:cNvPr id="3" name="Image Shape 2d101b65-2e20-46c4-8c82-ff6f339a27bd"/>
           <p:cNvPicPr>
             <a:picLocks noChangeAspect="1"/>
           </p:cNvPicPr>
           <p:nvPr/>
         </p:nvPicPr>
         <p:blipFill>
-          <a:blip r:embed="R08bebc44e69c4e2d">
-            <a:extLst>
-              <a:ext uri="{89f13565-b9c6-49f4-95ca-a4090285abb4}">
+          <a:blip r:embed="Rfb86920c73864d4e">
+            <a:extLst>
+              <a:ext uri="{2d101b65-2e20-46c4-8c82-ff6f339a27bd}">
+                <a14:useLocalDpi xmlns:a14="http://schemas.microsoft.com/office/drawing/2010/main" val="0"/>
+              </a:ext>
+            </a:extLst>
+          </a:blip>
+          <a:stretch>
+            <a:fillRect/>
+          </a:stretch>
+        </p:blipFill>
+        <p:spPr>
+          <a:xfrm>
+            <a:off x="9144000" y="0"/>
+            <a:ext cx="3048000" cy="3429000"/>
+          </a:xfrm>
+          <a:prstGeom prst="rect"/>
+        </p:spPr>
+      </p:pic>
+      <p:pic>
+        <p:nvPicPr>
+          <p:cNvPr id="4" name="Image Shape bd99c162-cc76-41ad-bcc2-e532329bbdb8"/>
+          <p:cNvPicPr>
+            <a:picLocks noChangeAspect="1"/>
+          </p:cNvPicPr>
+          <p:nvPr/>
+        </p:nvPicPr>
+        <p:blipFill>
+          <a:blip r:embed="R18e6bc0f46984266">
+            <a:extLst>
+              <a:ext uri="{bd99c162-cc76-41ad-bcc2-e532329bbdb8}">
                 <a14:useLocalDpi xmlns:a14="http://schemas.microsoft.com/office/drawing/2010/main" val="0"/>
               </a:ext>
             </a:extLst>
@@ -3852,7 +3880,7 @@
                   </a:schemeClr>
                 </a:solidFill>
               </a:rPr>
-              <a:t>20 September 2024</a:t>
+              <a:t>23 September 2024</a:t>
             </a:r>
             <a:endParaRPr lang="ru-RU" sz="2000" dirty="0"/>
           </a:p>
@@ -3930,7 +3958,7 @@
 </file>
 
 <file path=ppt/slides/slide6.xml><?xml version="1.0" encoding="utf-8"?>
-<p:sld xmlns:a16="http://schemas.microsoft.com/office/drawing/2014/main" xmlns:p14="http://schemas.microsoft.com/office/powerpoint/2010/main" xmlns:a="http://schemas.openxmlformats.org/drawingml/2006/main" xmlns:r="http://schemas.openxmlformats.org/officeDocument/2006/relationships" xmlns:p="http://schemas.openxmlformats.org/presentationml/2006/main">
+<p:sld xmlns:a14="http://schemas.microsoft.com/office/drawing/2010/main" xmlns:a16="http://schemas.microsoft.com/office/drawing/2014/main" xmlns:p14="http://schemas.microsoft.com/office/powerpoint/2010/main" xmlns:a="http://schemas.openxmlformats.org/drawingml/2006/main" xmlns:r="http://schemas.openxmlformats.org/officeDocument/2006/relationships" xmlns:p="http://schemas.openxmlformats.org/presentationml/2006/main">
   <p:cSld>
     <p:spTree>
       <p:nvGrpSpPr>
@@ -4133,7 +4161,7 @@
                     <a:p>
                       <a:r>
                         <a:rPr lang="en-US" dirty="0"/>
-                        <a:t>1999-11-09</a:t>
+                        <a:t>1987-07-20</a:t>
                       </a:r>
                       <a:endParaRPr lang="ru-RU" dirty="0"/>
                     </a:p>
@@ -4182,7 +4210,7 @@
                     <a:p>
                       <a:r>
                         <a:rPr lang="en-US" dirty="0"/>
-                        <a:t>1996-04-29</a:t>
+                        <a:t>1980-05-11</a:t>
                       </a:r>
                       <a:endParaRPr lang="ru-RU" dirty="0"/>
                     </a:p>
@@ -4231,7 +4259,7 @@
                     <a:p>
                       <a:r>
                         <a:rPr lang="en-US" dirty="0"/>
-                        <a:t>1986-09-13</a:t>
+                        <a:t>1990-06-09</a:t>
                       </a:r>
                       <a:endParaRPr lang="ru-RU" dirty="0"/>
                     </a:p>
@@ -4280,7 +4308,7 @@
                     <a:p>
                       <a:r>
                         <a:rPr lang="en-US" dirty="0"/>
-                        <a:t>1987-02-22</a:t>
+                        <a:t>1980-04-19</a:t>
                       </a:r>
                       <a:endParaRPr lang="ru-RU" dirty="0"/>
                     </a:p>
@@ -4329,7 +4357,7 @@
                     <a:p>
                       <a:r>
                         <a:rPr lang="en-US" dirty="0"/>
-                        <a:t>1999-03-11</a:t>
+                        <a:t>1986-02-04</a:t>
                       </a:r>
                       <a:endParaRPr lang="ru-RU" dirty="0"/>
                     </a:p>
@@ -4378,7 +4406,7 @@
                     <a:p>
                       <a:r>
                         <a:rPr lang="en-US" dirty="0"/>
-                        <a:t>1989-11-19</a:t>
+                        <a:t>1999-05-25</a:t>
                       </a:r>
                       <a:endParaRPr lang="ru-RU" dirty="0"/>
                     </a:p>
@@ -4427,7 +4455,105 @@
                     <a:p>
                       <a:r>
                         <a:rPr lang="en-US" dirty="0"/>
-                        <a:t>1988-08-05</a:t>
+                        <a:t>1990-07-27</a:t>
+                      </a:r>
+                      <a:endParaRPr lang="ru-RU" dirty="0"/>
+                    </a:p>
+                  </a:txBody>
+                  <a:tcPr/>
+                </a:tc>
+                <a:extLst>
+                  <a:ext uri="{0D108BD9-81ED-4DB2-BD59-A6C34878D82A}">
+                    <a16:rowId xmlns:a16="http://schemas.microsoft.com/office/drawing/2014/main" val="109181570"/>
+                  </a:ext>
+                </a:extLst>
+              </a:tr>
+              <a:tr h="370840">
+                <a:tc>
+                  <a:txBody>
+                    <a:bodyPr/>
+                    <a:lstStyle/>
+                    <a:p>
+                      <a:r>
+                        <a:rPr lang="en-US"/>
+                        <a:t>Employee #8</a:t>
+                      </a:r>
+                      <a:endParaRPr lang="ru-RU" dirty="0"/>
+                    </a:p>
+                  </a:txBody>
+                  <a:tcPr/>
+                </a:tc>
+                <a:tc>
+                  <a:txBody>
+                    <a:bodyPr/>
+                    <a:lstStyle/>
+                    <a:p>
+                      <a:r>
+                        <a:rPr lang="en-US" dirty="0"/>
+                        <a:t>emp8@company1.test</a:t>
+                      </a:r>
+                      <a:endParaRPr lang="ru-RU" dirty="0"/>
+                    </a:p>
+                  </a:txBody>
+                  <a:tcPr/>
+                </a:tc>
+                <a:tc>
+                  <a:txBody>
+                    <a:bodyPr/>
+                    <a:lstStyle/>
+                    <a:p>
+                      <a:r>
+                        <a:rPr lang="en-US" dirty="0"/>
+                        <a:t>1983-07-27</a:t>
+                      </a:r>
+                      <a:endParaRPr lang="ru-RU" dirty="0"/>
+                    </a:p>
+                  </a:txBody>
+                  <a:tcPr/>
+                </a:tc>
+                <a:extLst>
+                  <a:ext uri="{0D108BD9-81ED-4DB2-BD59-A6C34878D82A}">
+                    <a16:rowId xmlns:a16="http://schemas.microsoft.com/office/drawing/2014/main" val="109181570"/>
+                  </a:ext>
+                </a:extLst>
+              </a:tr>
+              <a:tr h="370840">
+                <a:tc>
+                  <a:txBody>
+                    <a:bodyPr/>
+                    <a:lstStyle/>
+                    <a:p>
+                      <a:r>
+                        <a:rPr lang="en-US"/>
+                        <a:t>Employee #9</a:t>
+                      </a:r>
+                      <a:endParaRPr lang="ru-RU" dirty="0"/>
+                    </a:p>
+                  </a:txBody>
+                  <a:tcPr/>
+                </a:tc>
+                <a:tc>
+                  <a:txBody>
+                    <a:bodyPr/>
+                    <a:lstStyle/>
+                    <a:p>
+                      <a:r>
+                        <a:rPr lang="en-US" dirty="0"/>
+                        <a:t>emp9@company1.test</a:t>
+                      </a:r>
+                      <a:endParaRPr lang="ru-RU" dirty="0"/>
+                    </a:p>
+                  </a:txBody>
+                  <a:tcPr/>
+                </a:tc>
+                <a:tc>
+                  <a:txBody>
+                    <a:bodyPr/>
+                    <a:lstStyle/>
+                    <a:p>
+                      <a:r>
+                        <a:rPr lang="en-US" dirty="0"/>
+                        <a:t>1983-08-02</a:t>
                       </a:r>
                       <a:endParaRPr lang="ru-RU" dirty="0"/>
                     </a:p>
@@ -4444,6 +4570,34 @@
           </a:graphicData>
         </a:graphic>
       </p:graphicFrame>
+      <p:pic>
+        <p:nvPicPr>
+          <p:cNvPr id="3" name="Image Shape dec229ff-f235-497f-aeb1-7a026c881372"/>
+          <p:cNvPicPr>
+            <a:picLocks noChangeAspect="1"/>
+          </p:cNvPicPr>
+          <p:nvPr/>
+        </p:nvPicPr>
+        <p:blipFill>
+          <a:blip r:embed="Rdfbbdcc92a034436">
+            <a:extLst>
+              <a:ext uri="{dec229ff-f235-497f-aeb1-7a026c881372}">
+                <a14:useLocalDpi xmlns:a14="http://schemas.microsoft.com/office/drawing/2010/main" val="0"/>
+              </a:ext>
+            </a:extLst>
+          </a:blip>
+          <a:stretch>
+            <a:fillRect/>
+          </a:stretch>
+        </p:blipFill>
+        <p:spPr>
+          <a:xfrm>
+            <a:off x="10668000" y="0"/>
+            <a:ext cx="1524000" cy="1714500"/>
+          </a:xfrm>
+          <a:prstGeom prst="rect"/>
+        </p:spPr>
+      </p:pic>
     </p:spTree>
     <p:extLst>
       <p:ext uri="{BB962C8B-B14F-4D97-AF65-F5344CB8AC3E}">
@@ -4458,7 +4612,7 @@
 </file>
 
 <file path=ppt/slides/slide7.xml><?xml version="1.0" encoding="utf-8"?>
-<p:sld xmlns:a16="http://schemas.microsoft.com/office/drawing/2014/main" xmlns:p14="http://schemas.microsoft.com/office/powerpoint/2010/main" xmlns:a="http://schemas.openxmlformats.org/drawingml/2006/main" xmlns:r="http://schemas.openxmlformats.org/officeDocument/2006/relationships" xmlns:p="http://schemas.openxmlformats.org/presentationml/2006/main">
+<p:sld xmlns:a14="http://schemas.microsoft.com/office/drawing/2010/main" xmlns:a16="http://schemas.microsoft.com/office/drawing/2014/main" xmlns:p14="http://schemas.microsoft.com/office/powerpoint/2010/main" xmlns:a="http://schemas.openxmlformats.org/drawingml/2006/main" xmlns:r="http://schemas.openxmlformats.org/officeDocument/2006/relationships" xmlns:p="http://schemas.openxmlformats.org/presentationml/2006/main">
   <p:cSld>
     <p:spTree>
       <p:nvGrpSpPr>
@@ -4661,7 +4815,7 @@
                     <a:p>
                       <a:r>
                         <a:rPr lang="en-US" dirty="0"/>
-                        <a:t>1990-04-06</a:t>
+                        <a:t>1980-09-07</a:t>
                       </a:r>
                       <a:endParaRPr lang="ru-RU" dirty="0"/>
                     </a:p>
@@ -4710,7 +4864,7 @@
                     <a:p>
                       <a:r>
                         <a:rPr lang="en-US" dirty="0"/>
-                        <a:t>1992-08-25</a:t>
+                        <a:t>1988-07-14</a:t>
                       </a:r>
                       <a:endParaRPr lang="ru-RU" dirty="0"/>
                     </a:p>
@@ -4759,7 +4913,7 @@
                     <a:p>
                       <a:r>
                         <a:rPr lang="en-US" dirty="0"/>
-                        <a:t>1990-04-19</a:t>
+                        <a:t>1996-11-21</a:t>
                       </a:r>
                       <a:endParaRPr lang="ru-RU" dirty="0"/>
                     </a:p>
@@ -4808,252 +4962,7 @@
                     <a:p>
                       <a:r>
                         <a:rPr lang="en-US" dirty="0"/>
-                        <a:t>1994-11-12</a:t>
-                      </a:r>
-                      <a:endParaRPr lang="ru-RU" dirty="0"/>
-                    </a:p>
-                  </a:txBody>
-                  <a:tcPr/>
-                </a:tc>
-                <a:extLst>
-                  <a:ext uri="{0D108BD9-81ED-4DB2-BD59-A6C34878D82A}">
-                    <a16:rowId xmlns:a16="http://schemas.microsoft.com/office/drawing/2014/main" val="109181570"/>
-                  </a:ext>
-                </a:extLst>
-              </a:tr>
-              <a:tr h="370840">
-                <a:tc>
-                  <a:txBody>
-                    <a:bodyPr/>
-                    <a:lstStyle/>
-                    <a:p>
-                      <a:r>
-                        <a:rPr lang="en-US"/>
-                        <a:t>Employee #5</a:t>
-                      </a:r>
-                      <a:endParaRPr lang="ru-RU" dirty="0"/>
-                    </a:p>
-                  </a:txBody>
-                  <a:tcPr/>
-                </a:tc>
-                <a:tc>
-                  <a:txBody>
-                    <a:bodyPr/>
-                    <a:lstStyle/>
-                    <a:p>
-                      <a:r>
-                        <a:rPr lang="en-US" dirty="0"/>
-                        <a:t>emp5@company2.test</a:t>
-                      </a:r>
-                      <a:endParaRPr lang="ru-RU" dirty="0"/>
-                    </a:p>
-                  </a:txBody>
-                  <a:tcPr/>
-                </a:tc>
-                <a:tc>
-                  <a:txBody>
-                    <a:bodyPr/>
-                    <a:lstStyle/>
-                    <a:p>
-                      <a:r>
-                        <a:rPr lang="en-US" dirty="0"/>
-                        <a:t>1980-10-21</a:t>
-                      </a:r>
-                      <a:endParaRPr lang="ru-RU" dirty="0"/>
-                    </a:p>
-                  </a:txBody>
-                  <a:tcPr/>
-                </a:tc>
-                <a:extLst>
-                  <a:ext uri="{0D108BD9-81ED-4DB2-BD59-A6C34878D82A}">
-                    <a16:rowId xmlns:a16="http://schemas.microsoft.com/office/drawing/2014/main" val="109181570"/>
-                  </a:ext>
-                </a:extLst>
-              </a:tr>
-              <a:tr h="370840">
-                <a:tc>
-                  <a:txBody>
-                    <a:bodyPr/>
-                    <a:lstStyle/>
-                    <a:p>
-                      <a:r>
-                        <a:rPr lang="en-US"/>
-                        <a:t>Employee #6</a:t>
-                      </a:r>
-                      <a:endParaRPr lang="ru-RU" dirty="0"/>
-                    </a:p>
-                  </a:txBody>
-                  <a:tcPr/>
-                </a:tc>
-                <a:tc>
-                  <a:txBody>
-                    <a:bodyPr/>
-                    <a:lstStyle/>
-                    <a:p>
-                      <a:r>
-                        <a:rPr lang="en-US" dirty="0"/>
-                        <a:t>emp6@company2.test</a:t>
-                      </a:r>
-                      <a:endParaRPr lang="ru-RU" dirty="0"/>
-                    </a:p>
-                  </a:txBody>
-                  <a:tcPr/>
-                </a:tc>
-                <a:tc>
-                  <a:txBody>
-                    <a:bodyPr/>
-                    <a:lstStyle/>
-                    <a:p>
-                      <a:r>
-                        <a:rPr lang="en-US" dirty="0"/>
-                        <a:t>1994-10-22</a:t>
-                      </a:r>
-                      <a:endParaRPr lang="ru-RU" dirty="0"/>
-                    </a:p>
-                  </a:txBody>
-                  <a:tcPr/>
-                </a:tc>
-                <a:extLst>
-                  <a:ext uri="{0D108BD9-81ED-4DB2-BD59-A6C34878D82A}">
-                    <a16:rowId xmlns:a16="http://schemas.microsoft.com/office/drawing/2014/main" val="109181570"/>
-                  </a:ext>
-                </a:extLst>
-              </a:tr>
-              <a:tr h="370840">
-                <a:tc>
-                  <a:txBody>
-                    <a:bodyPr/>
-                    <a:lstStyle/>
-                    <a:p>
-                      <a:r>
-                        <a:rPr lang="en-US"/>
-                        <a:t>Employee #7</a:t>
-                      </a:r>
-                      <a:endParaRPr lang="ru-RU" dirty="0"/>
-                    </a:p>
-                  </a:txBody>
-                  <a:tcPr/>
-                </a:tc>
-                <a:tc>
-                  <a:txBody>
-                    <a:bodyPr/>
-                    <a:lstStyle/>
-                    <a:p>
-                      <a:r>
-                        <a:rPr lang="en-US" dirty="0"/>
-                        <a:t>emp7@company2.test</a:t>
-                      </a:r>
-                      <a:endParaRPr lang="ru-RU" dirty="0"/>
-                    </a:p>
-                  </a:txBody>
-                  <a:tcPr/>
-                </a:tc>
-                <a:tc>
-                  <a:txBody>
-                    <a:bodyPr/>
-                    <a:lstStyle/>
-                    <a:p>
-                      <a:r>
-                        <a:rPr lang="en-US" dirty="0"/>
-                        <a:t>1984-06-08</a:t>
-                      </a:r>
-                      <a:endParaRPr lang="ru-RU" dirty="0"/>
-                    </a:p>
-                  </a:txBody>
-                  <a:tcPr/>
-                </a:tc>
-                <a:extLst>
-                  <a:ext uri="{0D108BD9-81ED-4DB2-BD59-A6C34878D82A}">
-                    <a16:rowId xmlns:a16="http://schemas.microsoft.com/office/drawing/2014/main" val="109181570"/>
-                  </a:ext>
-                </a:extLst>
-              </a:tr>
-              <a:tr h="370840">
-                <a:tc>
-                  <a:txBody>
-                    <a:bodyPr/>
-                    <a:lstStyle/>
-                    <a:p>
-                      <a:r>
-                        <a:rPr lang="en-US"/>
-                        <a:t>Employee #8</a:t>
-                      </a:r>
-                      <a:endParaRPr lang="ru-RU" dirty="0"/>
-                    </a:p>
-                  </a:txBody>
-                  <a:tcPr/>
-                </a:tc>
-                <a:tc>
-                  <a:txBody>
-                    <a:bodyPr/>
-                    <a:lstStyle/>
-                    <a:p>
-                      <a:r>
-                        <a:rPr lang="en-US" dirty="0"/>
-                        <a:t>emp8@company2.test</a:t>
-                      </a:r>
-                      <a:endParaRPr lang="ru-RU" dirty="0"/>
-                    </a:p>
-                  </a:txBody>
-                  <a:tcPr/>
-                </a:tc>
-                <a:tc>
-                  <a:txBody>
-                    <a:bodyPr/>
-                    <a:lstStyle/>
-                    <a:p>
-                      <a:r>
-                        <a:rPr lang="en-US" dirty="0"/>
-                        <a:t>1988-11-02</a:t>
-                      </a:r>
-                      <a:endParaRPr lang="ru-RU" dirty="0"/>
-                    </a:p>
-                  </a:txBody>
-                  <a:tcPr/>
-                </a:tc>
-                <a:extLst>
-                  <a:ext uri="{0D108BD9-81ED-4DB2-BD59-A6C34878D82A}">
-                    <a16:rowId xmlns:a16="http://schemas.microsoft.com/office/drawing/2014/main" val="109181570"/>
-                  </a:ext>
-                </a:extLst>
-              </a:tr>
-              <a:tr h="370840">
-                <a:tc>
-                  <a:txBody>
-                    <a:bodyPr/>
-                    <a:lstStyle/>
-                    <a:p>
-                      <a:r>
-                        <a:rPr lang="en-US"/>
-                        <a:t>Employee #9</a:t>
-                      </a:r>
-                      <a:endParaRPr lang="ru-RU" dirty="0"/>
-                    </a:p>
-                  </a:txBody>
-                  <a:tcPr/>
-                </a:tc>
-                <a:tc>
-                  <a:txBody>
-                    <a:bodyPr/>
-                    <a:lstStyle/>
-                    <a:p>
-                      <a:r>
-                        <a:rPr lang="en-US" dirty="0"/>
-                        <a:t>emp9@company2.test</a:t>
-                      </a:r>
-                      <a:endParaRPr lang="ru-RU" dirty="0"/>
-                    </a:p>
-                  </a:txBody>
-                  <a:tcPr/>
-                </a:tc>
-                <a:tc>
-                  <a:txBody>
-                    <a:bodyPr/>
-                    <a:lstStyle/>
-                    <a:p>
-                      <a:r>
-                        <a:rPr lang="en-US" dirty="0"/>
-                        <a:t>1983-02-03</a:t>
+                        <a:t>1989-04-24</a:t>
                       </a:r>
                       <a:endParaRPr lang="ru-RU" dirty="0"/>
                     </a:p>
@@ -5070,6 +4979,34 @@
           </a:graphicData>
         </a:graphic>
       </p:graphicFrame>
+      <p:pic>
+        <p:nvPicPr>
+          <p:cNvPr id="3" name="Image Shape e0c3f627-7f68-4c0f-adb5-4b3cf5708d7c"/>
+          <p:cNvPicPr>
+            <a:picLocks noChangeAspect="1"/>
+          </p:cNvPicPr>
+          <p:nvPr/>
+        </p:nvPicPr>
+        <p:blipFill>
+          <a:blip r:embed="Rb45907e616c54bf3">
+            <a:extLst>
+              <a:ext uri="{e0c3f627-7f68-4c0f-adb5-4b3cf5708d7c}">
+                <a14:useLocalDpi xmlns:a14="http://schemas.microsoft.com/office/drawing/2010/main" val="0"/>
+              </a:ext>
+            </a:extLst>
+          </a:blip>
+          <a:stretch>
+            <a:fillRect/>
+          </a:stretch>
+        </p:blipFill>
+        <p:spPr>
+          <a:xfrm>
+            <a:off x="10668000" y="0"/>
+            <a:ext cx="1524000" cy="1714500"/>
+          </a:xfrm>
+          <a:prstGeom prst="rect"/>
+        </p:spPr>
+      </p:pic>
     </p:spTree>
     <p:extLst>
       <p:ext uri="{BB962C8B-B14F-4D97-AF65-F5344CB8AC3E}">
@@ -5084,7 +5021,7 @@
 </file>
 
 <file path=ppt/slides/slide8.xml><?xml version="1.0" encoding="utf-8"?>
-<p:sld xmlns:a16="http://schemas.microsoft.com/office/drawing/2014/main" xmlns:p14="http://schemas.microsoft.com/office/powerpoint/2010/main" xmlns:a="http://schemas.openxmlformats.org/drawingml/2006/main" xmlns:r="http://schemas.openxmlformats.org/officeDocument/2006/relationships" xmlns:p="http://schemas.openxmlformats.org/presentationml/2006/main">
+<p:sld xmlns:a14="http://schemas.microsoft.com/office/drawing/2010/main" xmlns:a16="http://schemas.microsoft.com/office/drawing/2014/main" xmlns:p14="http://schemas.microsoft.com/office/powerpoint/2010/main" xmlns:a="http://schemas.openxmlformats.org/drawingml/2006/main" xmlns:r="http://schemas.openxmlformats.org/officeDocument/2006/relationships" xmlns:p="http://schemas.openxmlformats.org/presentationml/2006/main">
   <p:cSld>
     <p:spTree>
       <p:nvGrpSpPr>
@@ -5287,7 +5224,7 @@
                     <a:p>
                       <a:r>
                         <a:rPr lang="en-US" dirty="0"/>
-                        <a:t>1993-10-09</a:t>
+                        <a:t>1982-07-20</a:t>
                       </a:r>
                       <a:endParaRPr lang="ru-RU" dirty="0"/>
                     </a:p>
@@ -5336,7 +5273,7 @@
                     <a:p>
                       <a:r>
                         <a:rPr lang="en-US" dirty="0"/>
-                        <a:t>1995-04-17</a:t>
+                        <a:t>1986-01-18</a:t>
                       </a:r>
                       <a:endParaRPr lang="ru-RU" dirty="0"/>
                     </a:p>
@@ -5385,7 +5322,7 @@
                     <a:p>
                       <a:r>
                         <a:rPr lang="en-US" dirty="0"/>
-                        <a:t>1986-04-17</a:t>
+                        <a:t>1988-11-23</a:t>
                       </a:r>
                       <a:endParaRPr lang="ru-RU" dirty="0"/>
                     </a:p>
@@ -5434,7 +5371,7 @@
                     <a:p>
                       <a:r>
                         <a:rPr lang="en-US" dirty="0"/>
-                        <a:t>1999-01-10</a:t>
+                        <a:t>1991-02-05</a:t>
                       </a:r>
                       <a:endParaRPr lang="ru-RU" dirty="0"/>
                     </a:p>
@@ -5483,7 +5420,154 @@
                     <a:p>
                       <a:r>
                         <a:rPr lang="en-US" dirty="0"/>
-                        <a:t>1988-07-23</a:t>
+                        <a:t>1986-02-05</a:t>
+                      </a:r>
+                      <a:endParaRPr lang="ru-RU" dirty="0"/>
+                    </a:p>
+                  </a:txBody>
+                  <a:tcPr/>
+                </a:tc>
+                <a:extLst>
+                  <a:ext uri="{0D108BD9-81ED-4DB2-BD59-A6C34878D82A}">
+                    <a16:rowId xmlns:a16="http://schemas.microsoft.com/office/drawing/2014/main" val="109181570"/>
+                  </a:ext>
+                </a:extLst>
+              </a:tr>
+              <a:tr h="370840">
+                <a:tc>
+                  <a:txBody>
+                    <a:bodyPr/>
+                    <a:lstStyle/>
+                    <a:p>
+                      <a:r>
+                        <a:rPr lang="en-US"/>
+                        <a:t>Employee #6</a:t>
+                      </a:r>
+                      <a:endParaRPr lang="ru-RU" dirty="0"/>
+                    </a:p>
+                  </a:txBody>
+                  <a:tcPr/>
+                </a:tc>
+                <a:tc>
+                  <a:txBody>
+                    <a:bodyPr/>
+                    <a:lstStyle/>
+                    <a:p>
+                      <a:r>
+                        <a:rPr lang="en-US" dirty="0"/>
+                        <a:t>emp6@company3.test</a:t>
+                      </a:r>
+                      <a:endParaRPr lang="ru-RU" dirty="0"/>
+                    </a:p>
+                  </a:txBody>
+                  <a:tcPr/>
+                </a:tc>
+                <a:tc>
+                  <a:txBody>
+                    <a:bodyPr/>
+                    <a:lstStyle/>
+                    <a:p>
+                      <a:r>
+                        <a:rPr lang="en-US" dirty="0"/>
+                        <a:t>1988-09-11</a:t>
+                      </a:r>
+                      <a:endParaRPr lang="ru-RU" dirty="0"/>
+                    </a:p>
+                  </a:txBody>
+                  <a:tcPr/>
+                </a:tc>
+                <a:extLst>
+                  <a:ext uri="{0D108BD9-81ED-4DB2-BD59-A6C34878D82A}">
+                    <a16:rowId xmlns:a16="http://schemas.microsoft.com/office/drawing/2014/main" val="109181570"/>
+                  </a:ext>
+                </a:extLst>
+              </a:tr>
+              <a:tr h="370840">
+                <a:tc>
+                  <a:txBody>
+                    <a:bodyPr/>
+                    <a:lstStyle/>
+                    <a:p>
+                      <a:r>
+                        <a:rPr lang="en-US"/>
+                        <a:t>Employee #7</a:t>
+                      </a:r>
+                      <a:endParaRPr lang="ru-RU" dirty="0"/>
+                    </a:p>
+                  </a:txBody>
+                  <a:tcPr/>
+                </a:tc>
+                <a:tc>
+                  <a:txBody>
+                    <a:bodyPr/>
+                    <a:lstStyle/>
+                    <a:p>
+                      <a:r>
+                        <a:rPr lang="en-US" dirty="0"/>
+                        <a:t>emp7@company3.test</a:t>
+                      </a:r>
+                      <a:endParaRPr lang="ru-RU" dirty="0"/>
+                    </a:p>
+                  </a:txBody>
+                  <a:tcPr/>
+                </a:tc>
+                <a:tc>
+                  <a:txBody>
+                    <a:bodyPr/>
+                    <a:lstStyle/>
+                    <a:p>
+                      <a:r>
+                        <a:rPr lang="en-US" dirty="0"/>
+                        <a:t>1999-11-21</a:t>
+                      </a:r>
+                      <a:endParaRPr lang="ru-RU" dirty="0"/>
+                    </a:p>
+                  </a:txBody>
+                  <a:tcPr/>
+                </a:tc>
+                <a:extLst>
+                  <a:ext uri="{0D108BD9-81ED-4DB2-BD59-A6C34878D82A}">
+                    <a16:rowId xmlns:a16="http://schemas.microsoft.com/office/drawing/2014/main" val="109181570"/>
+                  </a:ext>
+                </a:extLst>
+              </a:tr>
+              <a:tr h="370840">
+                <a:tc>
+                  <a:txBody>
+                    <a:bodyPr/>
+                    <a:lstStyle/>
+                    <a:p>
+                      <a:r>
+                        <a:rPr lang="en-US"/>
+                        <a:t>Employee #8</a:t>
+                      </a:r>
+                      <a:endParaRPr lang="ru-RU" dirty="0"/>
+                    </a:p>
+                  </a:txBody>
+                  <a:tcPr/>
+                </a:tc>
+                <a:tc>
+                  <a:txBody>
+                    <a:bodyPr/>
+                    <a:lstStyle/>
+                    <a:p>
+                      <a:r>
+                        <a:rPr lang="en-US" dirty="0"/>
+                        <a:t>emp8@company3.test</a:t>
+                      </a:r>
+                      <a:endParaRPr lang="ru-RU" dirty="0"/>
+                    </a:p>
+                  </a:txBody>
+                  <a:tcPr/>
+                </a:tc>
+                <a:tc>
+                  <a:txBody>
+                    <a:bodyPr/>
+                    <a:lstStyle/>
+                    <a:p>
+                      <a:r>
+                        <a:rPr lang="en-US" dirty="0"/>
+                        <a:t>1982-11-25</a:t>
                       </a:r>
                       <a:endParaRPr lang="ru-RU" dirty="0"/>
                     </a:p>
@@ -5500,6 +5584,34 @@
           </a:graphicData>
         </a:graphic>
       </p:graphicFrame>
+      <p:pic>
+        <p:nvPicPr>
+          <p:cNvPr id="3" name="Image Shape a51b9e7e-17eb-4c0c-b90e-6fd18d7ec3e5"/>
+          <p:cNvPicPr>
+            <a:picLocks noChangeAspect="1"/>
+          </p:cNvPicPr>
+          <p:nvPr/>
+        </p:nvPicPr>
+        <p:blipFill>
+          <a:blip r:embed="R70ba5629e6d44b62">
+            <a:extLst>
+              <a:ext uri="{a51b9e7e-17eb-4c0c-b90e-6fd18d7ec3e5}">
+                <a14:useLocalDpi xmlns:a14="http://schemas.microsoft.com/office/drawing/2010/main" val="0"/>
+              </a:ext>
+            </a:extLst>
+          </a:blip>
+          <a:stretch>
+            <a:fillRect/>
+          </a:stretch>
+        </p:blipFill>
+        <p:spPr>
+          <a:xfrm>
+            <a:off x="10668000" y="0"/>
+            <a:ext cx="1524000" cy="1714500"/>
+          </a:xfrm>
+          <a:prstGeom prst="rect"/>
+        </p:spPr>
+      </p:pic>
     </p:spTree>
     <p:extLst>
       <p:ext uri="{BB962C8B-B14F-4D97-AF65-F5344CB8AC3E}">

--- a/Test/Presentations/update_result.pptx
+++ b/Test/Presentations/update_result.pptx
@@ -8,11 +8,11 @@
     <p:notesMasterId r:id="rId5"/>
   </p:notesMasterIdLst>
   <p:sldIdLst>
-    <p:sldId id="259" r:id="Rc61e32f80bfb4b49"/>
-    <p:sldId id="260" r:id="R09ec757c131c495a"/>
-    <p:sldId id="261" r:id="R72600f2eb24842bf"/>
-    <p:sldId id="262" r:id="R192d8c05cbe14e8b"/>
-    <p:sldId id="263" r:id="Re391a6e7a9d84813"/>
+    <p:sldId id="259" r:id="Rd84bcea2abdb4893"/>
+    <p:sldId id="260" r:id="Reb729cc287884806"/>
+    <p:sldId id="261" r:id="R8ea8e5b1162344e8"/>
+    <p:sldId id="262" r:id="R6e6257c759bb4a11"/>
+    <p:sldId id="263" r:id="R8b1fc2747a5c439a"/>
   </p:sldIdLst>
   <p:sldSz cx="12192000" cy="6858000"/>
   <p:notesSz cx="6858000" cy="9144000"/>
@@ -204,7 +204,7 @@
           <a:p>
             <a:fld id="{96129386-331A-4479-A604-9D03FC98566D}" type="datetimeFigureOut">
               <a:rPr lang="ru-RU" smtClean="0"/>
-              <a:t>14.04.2020</a:t>
+              <a:t>24.09.2024</a:t>
             </a:fld>
             <a:endParaRPr lang="ru-RU"/>
           </a:p>
@@ -618,7 +618,7 @@
           <a:p>
             <a:fld id="{60333C80-F893-47D7-9906-1E3D3180BB29}" type="datetimeFigureOut">
               <a:rPr lang="ru-RU" smtClean="0"/>
-              <a:t>14.04.2020</a:t>
+              <a:t>24.09.2024</a:t>
             </a:fld>
             <a:endParaRPr lang="ru-RU"/>
           </a:p>
@@ -816,7 +816,7 @@
           <a:p>
             <a:fld id="{60333C80-F893-47D7-9906-1E3D3180BB29}" type="datetimeFigureOut">
               <a:rPr lang="ru-RU" smtClean="0"/>
-              <a:t>14.04.2020</a:t>
+              <a:t>24.09.2024</a:t>
             </a:fld>
             <a:endParaRPr lang="ru-RU"/>
           </a:p>
@@ -1024,7 +1024,7 @@
           <a:p>
             <a:fld id="{60333C80-F893-47D7-9906-1E3D3180BB29}" type="datetimeFigureOut">
               <a:rPr lang="ru-RU" smtClean="0"/>
-              <a:t>14.04.2020</a:t>
+              <a:t>24.09.2024</a:t>
             </a:fld>
             <a:endParaRPr lang="ru-RU"/>
           </a:p>
@@ -1222,7 +1222,7 @@
           <a:p>
             <a:fld id="{60333C80-F893-47D7-9906-1E3D3180BB29}" type="datetimeFigureOut">
               <a:rPr lang="ru-RU" smtClean="0"/>
-              <a:t>14.04.2020</a:t>
+              <a:t>24.09.2024</a:t>
             </a:fld>
             <a:endParaRPr lang="ru-RU"/>
           </a:p>
@@ -1497,7 +1497,7 @@
           <a:p>
             <a:fld id="{60333C80-F893-47D7-9906-1E3D3180BB29}" type="datetimeFigureOut">
               <a:rPr lang="ru-RU" smtClean="0"/>
-              <a:t>14.04.2020</a:t>
+              <a:t>24.09.2024</a:t>
             </a:fld>
             <a:endParaRPr lang="ru-RU"/>
           </a:p>
@@ -1762,7 +1762,7 @@
           <a:p>
             <a:fld id="{60333C80-F893-47D7-9906-1E3D3180BB29}" type="datetimeFigureOut">
               <a:rPr lang="ru-RU" smtClean="0"/>
-              <a:t>14.04.2020</a:t>
+              <a:t>24.09.2024</a:t>
             </a:fld>
             <a:endParaRPr lang="ru-RU"/>
           </a:p>
@@ -2174,7 +2174,7 @@
           <a:p>
             <a:fld id="{60333C80-F893-47D7-9906-1E3D3180BB29}" type="datetimeFigureOut">
               <a:rPr lang="ru-RU" smtClean="0"/>
-              <a:t>14.04.2020</a:t>
+              <a:t>24.09.2024</a:t>
             </a:fld>
             <a:endParaRPr lang="ru-RU"/>
           </a:p>
@@ -2315,7 +2315,7 @@
           <a:p>
             <a:fld id="{60333C80-F893-47D7-9906-1E3D3180BB29}" type="datetimeFigureOut">
               <a:rPr lang="ru-RU" smtClean="0"/>
-              <a:t>14.04.2020</a:t>
+              <a:t>24.09.2024</a:t>
             </a:fld>
             <a:endParaRPr lang="ru-RU"/>
           </a:p>
@@ -2428,7 +2428,7 @@
           <a:p>
             <a:fld id="{60333C80-F893-47D7-9906-1E3D3180BB29}" type="datetimeFigureOut">
               <a:rPr lang="ru-RU" smtClean="0"/>
-              <a:t>14.04.2020</a:t>
+              <a:t>24.09.2024</a:t>
             </a:fld>
             <a:endParaRPr lang="ru-RU"/>
           </a:p>
@@ -2739,7 +2739,7 @@
           <a:p>
             <a:fld id="{60333C80-F893-47D7-9906-1E3D3180BB29}" type="datetimeFigureOut">
               <a:rPr lang="ru-RU" smtClean="0"/>
-              <a:t>14.04.2020</a:t>
+              <a:t>24.09.2024</a:t>
             </a:fld>
             <a:endParaRPr lang="ru-RU"/>
           </a:p>
@@ -3027,7 +3027,7 @@
           <a:p>
             <a:fld id="{60333C80-F893-47D7-9906-1E3D3180BB29}" type="datetimeFigureOut">
               <a:rPr lang="ru-RU" smtClean="0"/>
-              <a:t>14.04.2020</a:t>
+              <a:t>24.09.2024</a:t>
             </a:fld>
             <a:endParaRPr lang="ru-RU"/>
           </a:p>
@@ -3268,7 +3268,7 @@
           <a:p>
             <a:fld id="{60333C80-F893-47D7-9906-1E3D3180BB29}" type="datetimeFigureOut">
               <a:rPr lang="ru-RU" smtClean="0"/>
-              <a:t>14.04.2020</a:t>
+              <a:t>24.09.2024</a:t>
             </a:fld>
             <a:endParaRPr lang="ru-RU"/>
           </a:p>
@@ -3744,7 +3744,7 @@
                   </a:schemeClr>
                 </a:solidFill>
               </a:rPr>
-              <a:t>Date: 23.09.2024</a:t>
+              <a:t>Date: 25.09.2024</a:t>
             </a:r>
             <a:endParaRPr lang="ru-RU" dirty="0">
               <a:solidFill>
@@ -3759,16 +3759,16 @@
       </p:sp>
       <p:pic>
         <p:nvPicPr>
-          <p:cNvPr id="3" name="Image Shape 2d101b65-2e20-46c4-8c82-ff6f339a27bd"/>
+          <p:cNvPr id="3" name="Image Shape c52e5baf-c48e-44e0-aa6a-8a3edc43ea2d"/>
           <p:cNvPicPr>
             <a:picLocks noChangeAspect="1"/>
           </p:cNvPicPr>
           <p:nvPr/>
         </p:nvPicPr>
         <p:blipFill>
-          <a:blip r:embed="Rfb86920c73864d4e">
-            <a:extLst>
-              <a:ext uri="{2d101b65-2e20-46c4-8c82-ff6f339a27bd}">
+          <a:blip r:embed="R1e15530a042f4efd">
+            <a:extLst>
+              <a:ext uri="{c52e5baf-c48e-44e0-aa6a-8a3edc43ea2d}">
                 <a14:useLocalDpi xmlns:a14="http://schemas.microsoft.com/office/drawing/2010/main" val="0"/>
               </a:ext>
             </a:extLst>
@@ -3778,35 +3778,7 @@
           </a:stretch>
         </p:blipFill>
         <p:spPr>
-          <a:xfrm>
-            <a:off x="9144000" y="0"/>
-            <a:ext cx="3048000" cy="3429000"/>
-          </a:xfrm>
-          <a:prstGeom prst="rect"/>
-        </p:spPr>
-      </p:pic>
-      <p:pic>
-        <p:nvPicPr>
-          <p:cNvPr id="4" name="Image Shape bd99c162-cc76-41ad-bcc2-e532329bbdb8"/>
-          <p:cNvPicPr>
-            <a:picLocks noChangeAspect="1"/>
-          </p:cNvPicPr>
-          <p:nvPr/>
-        </p:nvPicPr>
-        <p:blipFill>
-          <a:blip r:embed="R18e6bc0f46984266">
-            <a:extLst>
-              <a:ext uri="{bd99c162-cc76-41ad-bcc2-e532329bbdb8}">
-                <a14:useLocalDpi xmlns:a14="http://schemas.microsoft.com/office/drawing/2010/main" val="0"/>
-              </a:ext>
-            </a:extLst>
-          </a:blip>
-          <a:stretch>
-            <a:fillRect/>
-          </a:stretch>
-        </p:blipFill>
-        <p:spPr>
-          <a:xfrm>
+          <a:xfrm flipH="1" flipV="0">
             <a:off x="0" y="0"/>
             <a:ext cx="3048000" cy="3429000"/>
           </a:xfrm>
@@ -3880,7 +3852,7 @@
                   </a:schemeClr>
                 </a:solidFill>
               </a:rPr>
-              <a:t>23 September 2024</a:t>
+              <a:t>25 September 2024</a:t>
             </a:r>
             <a:endParaRPr lang="ru-RU" sz="2000" dirty="0"/>
           </a:p>
@@ -3940,6 +3912,14 @@
             <a:endParaRPr lang="en-US" dirty="0"/>
           </a:p>
           <a:p>
+            <a:r>
+              <a:rPr lang="en-US" dirty="0" err="1"/>
+              <a:t>HtmlAsText</a:t>
+            </a:r>
+            <a:r>
+              <a:rPr lang="en-US" dirty="0"/>
+              <a:t>: text text text</a:t>
+            </a:r>
             <a:endParaRPr lang="ru-RU" dirty="0"/>
           </a:p>
         </p:txBody>
@@ -4161,7 +4141,7 @@
                     <a:p>
                       <a:r>
                         <a:rPr lang="en-US" dirty="0"/>
-                        <a:t>1987-07-20</a:t>
+                        <a:t>1982-03-12</a:t>
                       </a:r>
                       <a:endParaRPr lang="ru-RU" dirty="0"/>
                     </a:p>
@@ -4210,7 +4190,7 @@
                     <a:p>
                       <a:r>
                         <a:rPr lang="en-US" dirty="0"/>
-                        <a:t>1980-05-11</a:t>
+                        <a:t>1997-01-29</a:t>
                       </a:r>
                       <a:endParaRPr lang="ru-RU" dirty="0"/>
                     </a:p>
@@ -4259,7 +4239,7 @@
                     <a:p>
                       <a:r>
                         <a:rPr lang="en-US" dirty="0"/>
-                        <a:t>1990-06-09</a:t>
+                        <a:t>1995-04-14</a:t>
                       </a:r>
                       <a:endParaRPr lang="ru-RU" dirty="0"/>
                     </a:p>
@@ -4308,252 +4288,7 @@
                     <a:p>
                       <a:r>
                         <a:rPr lang="en-US" dirty="0"/>
-                        <a:t>1980-04-19</a:t>
-                      </a:r>
-                      <a:endParaRPr lang="ru-RU" dirty="0"/>
-                    </a:p>
-                  </a:txBody>
-                  <a:tcPr/>
-                </a:tc>
-                <a:extLst>
-                  <a:ext uri="{0D108BD9-81ED-4DB2-BD59-A6C34878D82A}">
-                    <a16:rowId xmlns:a16="http://schemas.microsoft.com/office/drawing/2014/main" val="109181570"/>
-                  </a:ext>
-                </a:extLst>
-              </a:tr>
-              <a:tr h="370840">
-                <a:tc>
-                  <a:txBody>
-                    <a:bodyPr/>
-                    <a:lstStyle/>
-                    <a:p>
-                      <a:r>
-                        <a:rPr lang="en-US"/>
-                        <a:t>Employee #5</a:t>
-                      </a:r>
-                      <a:endParaRPr lang="ru-RU" dirty="0"/>
-                    </a:p>
-                  </a:txBody>
-                  <a:tcPr/>
-                </a:tc>
-                <a:tc>
-                  <a:txBody>
-                    <a:bodyPr/>
-                    <a:lstStyle/>
-                    <a:p>
-                      <a:r>
-                        <a:rPr lang="en-US" dirty="0"/>
-                        <a:t>emp5@company1.test</a:t>
-                      </a:r>
-                      <a:endParaRPr lang="ru-RU" dirty="0"/>
-                    </a:p>
-                  </a:txBody>
-                  <a:tcPr/>
-                </a:tc>
-                <a:tc>
-                  <a:txBody>
-                    <a:bodyPr/>
-                    <a:lstStyle/>
-                    <a:p>
-                      <a:r>
-                        <a:rPr lang="en-US" dirty="0"/>
-                        <a:t>1986-02-04</a:t>
-                      </a:r>
-                      <a:endParaRPr lang="ru-RU" dirty="0"/>
-                    </a:p>
-                  </a:txBody>
-                  <a:tcPr/>
-                </a:tc>
-                <a:extLst>
-                  <a:ext uri="{0D108BD9-81ED-4DB2-BD59-A6C34878D82A}">
-                    <a16:rowId xmlns:a16="http://schemas.microsoft.com/office/drawing/2014/main" val="109181570"/>
-                  </a:ext>
-                </a:extLst>
-              </a:tr>
-              <a:tr h="370840">
-                <a:tc>
-                  <a:txBody>
-                    <a:bodyPr/>
-                    <a:lstStyle/>
-                    <a:p>
-                      <a:r>
-                        <a:rPr lang="en-US"/>
-                        <a:t>Employee #6</a:t>
-                      </a:r>
-                      <a:endParaRPr lang="ru-RU" dirty="0"/>
-                    </a:p>
-                  </a:txBody>
-                  <a:tcPr/>
-                </a:tc>
-                <a:tc>
-                  <a:txBody>
-                    <a:bodyPr/>
-                    <a:lstStyle/>
-                    <a:p>
-                      <a:r>
-                        <a:rPr lang="en-US" dirty="0"/>
-                        <a:t>emp6@company1.test</a:t>
-                      </a:r>
-                      <a:endParaRPr lang="ru-RU" dirty="0"/>
-                    </a:p>
-                  </a:txBody>
-                  <a:tcPr/>
-                </a:tc>
-                <a:tc>
-                  <a:txBody>
-                    <a:bodyPr/>
-                    <a:lstStyle/>
-                    <a:p>
-                      <a:r>
-                        <a:rPr lang="en-US" dirty="0"/>
-                        <a:t>1999-05-25</a:t>
-                      </a:r>
-                      <a:endParaRPr lang="ru-RU" dirty="0"/>
-                    </a:p>
-                  </a:txBody>
-                  <a:tcPr/>
-                </a:tc>
-                <a:extLst>
-                  <a:ext uri="{0D108BD9-81ED-4DB2-BD59-A6C34878D82A}">
-                    <a16:rowId xmlns:a16="http://schemas.microsoft.com/office/drawing/2014/main" val="109181570"/>
-                  </a:ext>
-                </a:extLst>
-              </a:tr>
-              <a:tr h="370840">
-                <a:tc>
-                  <a:txBody>
-                    <a:bodyPr/>
-                    <a:lstStyle/>
-                    <a:p>
-                      <a:r>
-                        <a:rPr lang="en-US"/>
-                        <a:t>Employee #7</a:t>
-                      </a:r>
-                      <a:endParaRPr lang="ru-RU" dirty="0"/>
-                    </a:p>
-                  </a:txBody>
-                  <a:tcPr/>
-                </a:tc>
-                <a:tc>
-                  <a:txBody>
-                    <a:bodyPr/>
-                    <a:lstStyle/>
-                    <a:p>
-                      <a:r>
-                        <a:rPr lang="en-US" dirty="0"/>
-                        <a:t>emp7@company1.test</a:t>
-                      </a:r>
-                      <a:endParaRPr lang="ru-RU" dirty="0"/>
-                    </a:p>
-                  </a:txBody>
-                  <a:tcPr/>
-                </a:tc>
-                <a:tc>
-                  <a:txBody>
-                    <a:bodyPr/>
-                    <a:lstStyle/>
-                    <a:p>
-                      <a:r>
-                        <a:rPr lang="en-US" dirty="0"/>
-                        <a:t>1990-07-27</a:t>
-                      </a:r>
-                      <a:endParaRPr lang="ru-RU" dirty="0"/>
-                    </a:p>
-                  </a:txBody>
-                  <a:tcPr/>
-                </a:tc>
-                <a:extLst>
-                  <a:ext uri="{0D108BD9-81ED-4DB2-BD59-A6C34878D82A}">
-                    <a16:rowId xmlns:a16="http://schemas.microsoft.com/office/drawing/2014/main" val="109181570"/>
-                  </a:ext>
-                </a:extLst>
-              </a:tr>
-              <a:tr h="370840">
-                <a:tc>
-                  <a:txBody>
-                    <a:bodyPr/>
-                    <a:lstStyle/>
-                    <a:p>
-                      <a:r>
-                        <a:rPr lang="en-US"/>
-                        <a:t>Employee #8</a:t>
-                      </a:r>
-                      <a:endParaRPr lang="ru-RU" dirty="0"/>
-                    </a:p>
-                  </a:txBody>
-                  <a:tcPr/>
-                </a:tc>
-                <a:tc>
-                  <a:txBody>
-                    <a:bodyPr/>
-                    <a:lstStyle/>
-                    <a:p>
-                      <a:r>
-                        <a:rPr lang="en-US" dirty="0"/>
-                        <a:t>emp8@company1.test</a:t>
-                      </a:r>
-                      <a:endParaRPr lang="ru-RU" dirty="0"/>
-                    </a:p>
-                  </a:txBody>
-                  <a:tcPr/>
-                </a:tc>
-                <a:tc>
-                  <a:txBody>
-                    <a:bodyPr/>
-                    <a:lstStyle/>
-                    <a:p>
-                      <a:r>
-                        <a:rPr lang="en-US" dirty="0"/>
-                        <a:t>1983-07-27</a:t>
-                      </a:r>
-                      <a:endParaRPr lang="ru-RU" dirty="0"/>
-                    </a:p>
-                  </a:txBody>
-                  <a:tcPr/>
-                </a:tc>
-                <a:extLst>
-                  <a:ext uri="{0D108BD9-81ED-4DB2-BD59-A6C34878D82A}">
-                    <a16:rowId xmlns:a16="http://schemas.microsoft.com/office/drawing/2014/main" val="109181570"/>
-                  </a:ext>
-                </a:extLst>
-              </a:tr>
-              <a:tr h="370840">
-                <a:tc>
-                  <a:txBody>
-                    <a:bodyPr/>
-                    <a:lstStyle/>
-                    <a:p>
-                      <a:r>
-                        <a:rPr lang="en-US"/>
-                        <a:t>Employee #9</a:t>
-                      </a:r>
-                      <a:endParaRPr lang="ru-RU" dirty="0"/>
-                    </a:p>
-                  </a:txBody>
-                  <a:tcPr/>
-                </a:tc>
-                <a:tc>
-                  <a:txBody>
-                    <a:bodyPr/>
-                    <a:lstStyle/>
-                    <a:p>
-                      <a:r>
-                        <a:rPr lang="en-US" dirty="0"/>
-                        <a:t>emp9@company1.test</a:t>
-                      </a:r>
-                      <a:endParaRPr lang="ru-RU" dirty="0"/>
-                    </a:p>
-                  </a:txBody>
-                  <a:tcPr/>
-                </a:tc>
-                <a:tc>
-                  <a:txBody>
-                    <a:bodyPr/>
-                    <a:lstStyle/>
-                    <a:p>
-                      <a:r>
-                        <a:rPr lang="en-US" dirty="0"/>
-                        <a:t>1983-08-02</a:t>
+                        <a:t>1981-10-02</a:t>
                       </a:r>
                       <a:endParaRPr lang="ru-RU" dirty="0"/>
                     </a:p>
@@ -4572,16 +4307,16 @@
       </p:graphicFrame>
       <p:pic>
         <p:nvPicPr>
-          <p:cNvPr id="3" name="Image Shape dec229ff-f235-497f-aeb1-7a026c881372"/>
+          <p:cNvPr id="3" name="Image Shape 38859314-47c5-4bff-908f-ca0e4a79ebe2"/>
           <p:cNvPicPr>
             <a:picLocks noChangeAspect="1"/>
           </p:cNvPicPr>
           <p:nvPr/>
         </p:nvPicPr>
         <p:blipFill>
-          <a:blip r:embed="Rdfbbdcc92a034436">
-            <a:extLst>
-              <a:ext uri="{dec229ff-f235-497f-aeb1-7a026c881372}">
+          <a:blip r:embed="Rcc3d2116df57476c">
+            <a:extLst>
+              <a:ext uri="{38859314-47c5-4bff-908f-ca0e4a79ebe2}">
                 <a14:useLocalDpi xmlns:a14="http://schemas.microsoft.com/office/drawing/2010/main" val="0"/>
               </a:ext>
             </a:extLst>
@@ -4591,7 +4326,7 @@
           </a:stretch>
         </p:blipFill>
         <p:spPr>
-          <a:xfrm>
+          <a:xfrm flipH="0" flipV="0">
             <a:off x="10668000" y="0"/>
             <a:ext cx="1524000" cy="1714500"/>
           </a:xfrm>
@@ -4815,7 +4550,7 @@
                     <a:p>
                       <a:r>
                         <a:rPr lang="en-US" dirty="0"/>
-                        <a:t>1980-09-07</a:t>
+                        <a:t>1994-09-03</a:t>
                       </a:r>
                       <a:endParaRPr lang="ru-RU" dirty="0"/>
                     </a:p>
@@ -4864,7 +4599,7 @@
                     <a:p>
                       <a:r>
                         <a:rPr lang="en-US" dirty="0"/>
-                        <a:t>1988-07-14</a:t>
+                        <a:t>1987-01-28</a:t>
                       </a:r>
                       <a:endParaRPr lang="ru-RU" dirty="0"/>
                     </a:p>
@@ -4913,7 +4648,7 @@
                     <a:p>
                       <a:r>
                         <a:rPr lang="en-US" dirty="0"/>
-                        <a:t>1996-11-21</a:t>
+                        <a:t>1986-09-16</a:t>
                       </a:r>
                       <a:endParaRPr lang="ru-RU" dirty="0"/>
                     </a:p>
@@ -4962,7 +4697,252 @@
                     <a:p>
                       <a:r>
                         <a:rPr lang="en-US" dirty="0"/>
-                        <a:t>1989-04-24</a:t>
+                        <a:t>1995-03-07</a:t>
+                      </a:r>
+                      <a:endParaRPr lang="ru-RU" dirty="0"/>
+                    </a:p>
+                  </a:txBody>
+                  <a:tcPr/>
+                </a:tc>
+                <a:extLst>
+                  <a:ext uri="{0D108BD9-81ED-4DB2-BD59-A6C34878D82A}">
+                    <a16:rowId xmlns:a16="http://schemas.microsoft.com/office/drawing/2014/main" val="109181570"/>
+                  </a:ext>
+                </a:extLst>
+              </a:tr>
+              <a:tr h="370840">
+                <a:tc>
+                  <a:txBody>
+                    <a:bodyPr/>
+                    <a:lstStyle/>
+                    <a:p>
+                      <a:r>
+                        <a:rPr lang="en-US"/>
+                        <a:t>Employee #5</a:t>
+                      </a:r>
+                      <a:endParaRPr lang="ru-RU" dirty="0"/>
+                    </a:p>
+                  </a:txBody>
+                  <a:tcPr/>
+                </a:tc>
+                <a:tc>
+                  <a:txBody>
+                    <a:bodyPr/>
+                    <a:lstStyle/>
+                    <a:p>
+                      <a:r>
+                        <a:rPr lang="en-US" dirty="0"/>
+                        <a:t>emp5@company2.test</a:t>
+                      </a:r>
+                      <a:endParaRPr lang="ru-RU" dirty="0"/>
+                    </a:p>
+                  </a:txBody>
+                  <a:tcPr/>
+                </a:tc>
+                <a:tc>
+                  <a:txBody>
+                    <a:bodyPr/>
+                    <a:lstStyle/>
+                    <a:p>
+                      <a:r>
+                        <a:rPr lang="en-US" dirty="0"/>
+                        <a:t>1990-09-30</a:t>
+                      </a:r>
+                      <a:endParaRPr lang="ru-RU" dirty="0"/>
+                    </a:p>
+                  </a:txBody>
+                  <a:tcPr/>
+                </a:tc>
+                <a:extLst>
+                  <a:ext uri="{0D108BD9-81ED-4DB2-BD59-A6C34878D82A}">
+                    <a16:rowId xmlns:a16="http://schemas.microsoft.com/office/drawing/2014/main" val="109181570"/>
+                  </a:ext>
+                </a:extLst>
+              </a:tr>
+              <a:tr h="370840">
+                <a:tc>
+                  <a:txBody>
+                    <a:bodyPr/>
+                    <a:lstStyle/>
+                    <a:p>
+                      <a:r>
+                        <a:rPr lang="en-US"/>
+                        <a:t>Employee #6</a:t>
+                      </a:r>
+                      <a:endParaRPr lang="ru-RU" dirty="0"/>
+                    </a:p>
+                  </a:txBody>
+                  <a:tcPr/>
+                </a:tc>
+                <a:tc>
+                  <a:txBody>
+                    <a:bodyPr/>
+                    <a:lstStyle/>
+                    <a:p>
+                      <a:r>
+                        <a:rPr lang="en-US" dirty="0"/>
+                        <a:t>emp6@company2.test</a:t>
+                      </a:r>
+                      <a:endParaRPr lang="ru-RU" dirty="0"/>
+                    </a:p>
+                  </a:txBody>
+                  <a:tcPr/>
+                </a:tc>
+                <a:tc>
+                  <a:txBody>
+                    <a:bodyPr/>
+                    <a:lstStyle/>
+                    <a:p>
+                      <a:r>
+                        <a:rPr lang="en-US" dirty="0"/>
+                        <a:t>1981-04-03</a:t>
+                      </a:r>
+                      <a:endParaRPr lang="ru-RU" dirty="0"/>
+                    </a:p>
+                  </a:txBody>
+                  <a:tcPr/>
+                </a:tc>
+                <a:extLst>
+                  <a:ext uri="{0D108BD9-81ED-4DB2-BD59-A6C34878D82A}">
+                    <a16:rowId xmlns:a16="http://schemas.microsoft.com/office/drawing/2014/main" val="109181570"/>
+                  </a:ext>
+                </a:extLst>
+              </a:tr>
+              <a:tr h="370840">
+                <a:tc>
+                  <a:txBody>
+                    <a:bodyPr/>
+                    <a:lstStyle/>
+                    <a:p>
+                      <a:r>
+                        <a:rPr lang="en-US"/>
+                        <a:t>Employee #7</a:t>
+                      </a:r>
+                      <a:endParaRPr lang="ru-RU" dirty="0"/>
+                    </a:p>
+                  </a:txBody>
+                  <a:tcPr/>
+                </a:tc>
+                <a:tc>
+                  <a:txBody>
+                    <a:bodyPr/>
+                    <a:lstStyle/>
+                    <a:p>
+                      <a:r>
+                        <a:rPr lang="en-US" dirty="0"/>
+                        <a:t>emp7@company2.test</a:t>
+                      </a:r>
+                      <a:endParaRPr lang="ru-RU" dirty="0"/>
+                    </a:p>
+                  </a:txBody>
+                  <a:tcPr/>
+                </a:tc>
+                <a:tc>
+                  <a:txBody>
+                    <a:bodyPr/>
+                    <a:lstStyle/>
+                    <a:p>
+                      <a:r>
+                        <a:rPr lang="en-US" dirty="0"/>
+                        <a:t>1998-01-10</a:t>
+                      </a:r>
+                      <a:endParaRPr lang="ru-RU" dirty="0"/>
+                    </a:p>
+                  </a:txBody>
+                  <a:tcPr/>
+                </a:tc>
+                <a:extLst>
+                  <a:ext uri="{0D108BD9-81ED-4DB2-BD59-A6C34878D82A}">
+                    <a16:rowId xmlns:a16="http://schemas.microsoft.com/office/drawing/2014/main" val="109181570"/>
+                  </a:ext>
+                </a:extLst>
+              </a:tr>
+              <a:tr h="370840">
+                <a:tc>
+                  <a:txBody>
+                    <a:bodyPr/>
+                    <a:lstStyle/>
+                    <a:p>
+                      <a:r>
+                        <a:rPr lang="en-US"/>
+                        <a:t>Employee #8</a:t>
+                      </a:r>
+                      <a:endParaRPr lang="ru-RU" dirty="0"/>
+                    </a:p>
+                  </a:txBody>
+                  <a:tcPr/>
+                </a:tc>
+                <a:tc>
+                  <a:txBody>
+                    <a:bodyPr/>
+                    <a:lstStyle/>
+                    <a:p>
+                      <a:r>
+                        <a:rPr lang="en-US" dirty="0"/>
+                        <a:t>emp8@company2.test</a:t>
+                      </a:r>
+                      <a:endParaRPr lang="ru-RU" dirty="0"/>
+                    </a:p>
+                  </a:txBody>
+                  <a:tcPr/>
+                </a:tc>
+                <a:tc>
+                  <a:txBody>
+                    <a:bodyPr/>
+                    <a:lstStyle/>
+                    <a:p>
+                      <a:r>
+                        <a:rPr lang="en-US" dirty="0"/>
+                        <a:t>1999-08-20</a:t>
+                      </a:r>
+                      <a:endParaRPr lang="ru-RU" dirty="0"/>
+                    </a:p>
+                  </a:txBody>
+                  <a:tcPr/>
+                </a:tc>
+                <a:extLst>
+                  <a:ext uri="{0D108BD9-81ED-4DB2-BD59-A6C34878D82A}">
+                    <a16:rowId xmlns:a16="http://schemas.microsoft.com/office/drawing/2014/main" val="109181570"/>
+                  </a:ext>
+                </a:extLst>
+              </a:tr>
+              <a:tr h="370840">
+                <a:tc>
+                  <a:txBody>
+                    <a:bodyPr/>
+                    <a:lstStyle/>
+                    <a:p>
+                      <a:r>
+                        <a:rPr lang="en-US"/>
+                        <a:t>Employee #9</a:t>
+                      </a:r>
+                      <a:endParaRPr lang="ru-RU" dirty="0"/>
+                    </a:p>
+                  </a:txBody>
+                  <a:tcPr/>
+                </a:tc>
+                <a:tc>
+                  <a:txBody>
+                    <a:bodyPr/>
+                    <a:lstStyle/>
+                    <a:p>
+                      <a:r>
+                        <a:rPr lang="en-US" dirty="0"/>
+                        <a:t>emp9@company2.test</a:t>
+                      </a:r>
+                      <a:endParaRPr lang="ru-RU" dirty="0"/>
+                    </a:p>
+                  </a:txBody>
+                  <a:tcPr/>
+                </a:tc>
+                <a:tc>
+                  <a:txBody>
+                    <a:bodyPr/>
+                    <a:lstStyle/>
+                    <a:p>
+                      <a:r>
+                        <a:rPr lang="en-US" dirty="0"/>
+                        <a:t>1999-01-29</a:t>
                       </a:r>
                       <a:endParaRPr lang="ru-RU" dirty="0"/>
                     </a:p>
@@ -4981,16 +4961,16 @@
       </p:graphicFrame>
       <p:pic>
         <p:nvPicPr>
-          <p:cNvPr id="3" name="Image Shape e0c3f627-7f68-4c0f-adb5-4b3cf5708d7c"/>
+          <p:cNvPr id="3" name="Image Shape 7d04ae67-4194-4e4b-9ab7-e5de9dee1aa3"/>
           <p:cNvPicPr>
             <a:picLocks noChangeAspect="1"/>
           </p:cNvPicPr>
           <p:nvPr/>
         </p:nvPicPr>
         <p:blipFill>
-          <a:blip r:embed="Rb45907e616c54bf3">
-            <a:extLst>
-              <a:ext uri="{e0c3f627-7f68-4c0f-adb5-4b3cf5708d7c}">
+          <a:blip r:embed="Rbc003d37ca8d4aec">
+            <a:extLst>
+              <a:ext uri="{7d04ae67-4194-4e4b-9ab7-e5de9dee1aa3}">
                 <a14:useLocalDpi xmlns:a14="http://schemas.microsoft.com/office/drawing/2010/main" val="0"/>
               </a:ext>
             </a:extLst>
@@ -5000,7 +4980,7 @@
           </a:stretch>
         </p:blipFill>
         <p:spPr>
-          <a:xfrm>
+          <a:xfrm flipH="0" flipV="0">
             <a:off x="10668000" y="0"/>
             <a:ext cx="1524000" cy="1714500"/>
           </a:xfrm>
@@ -5224,7 +5204,7 @@
                     <a:p>
                       <a:r>
                         <a:rPr lang="en-US" dirty="0"/>
-                        <a:t>1982-07-20</a:t>
+                        <a:t>1985-08-12</a:t>
                       </a:r>
                       <a:endParaRPr lang="ru-RU" dirty="0"/>
                     </a:p>
@@ -5273,7 +5253,7 @@
                     <a:p>
                       <a:r>
                         <a:rPr lang="en-US" dirty="0"/>
-                        <a:t>1986-01-18</a:t>
+                        <a:t>1984-02-29</a:t>
                       </a:r>
                       <a:endParaRPr lang="ru-RU" dirty="0"/>
                     </a:p>
@@ -5322,7 +5302,7 @@
                     <a:p>
                       <a:r>
                         <a:rPr lang="en-US" dirty="0"/>
-                        <a:t>1988-11-23</a:t>
+                        <a:t>1992-09-06</a:t>
                       </a:r>
                       <a:endParaRPr lang="ru-RU" dirty="0"/>
                     </a:p>
@@ -5371,7 +5351,7 @@
                     <a:p>
                       <a:r>
                         <a:rPr lang="en-US" dirty="0"/>
-                        <a:t>1991-02-05</a:t>
+                        <a:t>1994-05-28</a:t>
                       </a:r>
                       <a:endParaRPr lang="ru-RU" dirty="0"/>
                     </a:p>
@@ -5420,7 +5400,7 @@
                     <a:p>
                       <a:r>
                         <a:rPr lang="en-US" dirty="0"/>
-                        <a:t>1986-02-05</a:t>
+                        <a:t>1998-02-20</a:t>
                       </a:r>
                       <a:endParaRPr lang="ru-RU" dirty="0"/>
                     </a:p>
@@ -5469,105 +5449,7 @@
                     <a:p>
                       <a:r>
                         <a:rPr lang="en-US" dirty="0"/>
-                        <a:t>1988-09-11</a:t>
-                      </a:r>
-                      <a:endParaRPr lang="ru-RU" dirty="0"/>
-                    </a:p>
-                  </a:txBody>
-                  <a:tcPr/>
-                </a:tc>
-                <a:extLst>
-                  <a:ext uri="{0D108BD9-81ED-4DB2-BD59-A6C34878D82A}">
-                    <a16:rowId xmlns:a16="http://schemas.microsoft.com/office/drawing/2014/main" val="109181570"/>
-                  </a:ext>
-                </a:extLst>
-              </a:tr>
-              <a:tr h="370840">
-                <a:tc>
-                  <a:txBody>
-                    <a:bodyPr/>
-                    <a:lstStyle/>
-                    <a:p>
-                      <a:r>
-                        <a:rPr lang="en-US"/>
-                        <a:t>Employee #7</a:t>
-                      </a:r>
-                      <a:endParaRPr lang="ru-RU" dirty="0"/>
-                    </a:p>
-                  </a:txBody>
-                  <a:tcPr/>
-                </a:tc>
-                <a:tc>
-                  <a:txBody>
-                    <a:bodyPr/>
-                    <a:lstStyle/>
-                    <a:p>
-                      <a:r>
-                        <a:rPr lang="en-US" dirty="0"/>
-                        <a:t>emp7@company3.test</a:t>
-                      </a:r>
-                      <a:endParaRPr lang="ru-RU" dirty="0"/>
-                    </a:p>
-                  </a:txBody>
-                  <a:tcPr/>
-                </a:tc>
-                <a:tc>
-                  <a:txBody>
-                    <a:bodyPr/>
-                    <a:lstStyle/>
-                    <a:p>
-                      <a:r>
-                        <a:rPr lang="en-US" dirty="0"/>
-                        <a:t>1999-11-21</a:t>
-                      </a:r>
-                      <a:endParaRPr lang="ru-RU" dirty="0"/>
-                    </a:p>
-                  </a:txBody>
-                  <a:tcPr/>
-                </a:tc>
-                <a:extLst>
-                  <a:ext uri="{0D108BD9-81ED-4DB2-BD59-A6C34878D82A}">
-                    <a16:rowId xmlns:a16="http://schemas.microsoft.com/office/drawing/2014/main" val="109181570"/>
-                  </a:ext>
-                </a:extLst>
-              </a:tr>
-              <a:tr h="370840">
-                <a:tc>
-                  <a:txBody>
-                    <a:bodyPr/>
-                    <a:lstStyle/>
-                    <a:p>
-                      <a:r>
-                        <a:rPr lang="en-US"/>
-                        <a:t>Employee #8</a:t>
-                      </a:r>
-                      <a:endParaRPr lang="ru-RU" dirty="0"/>
-                    </a:p>
-                  </a:txBody>
-                  <a:tcPr/>
-                </a:tc>
-                <a:tc>
-                  <a:txBody>
-                    <a:bodyPr/>
-                    <a:lstStyle/>
-                    <a:p>
-                      <a:r>
-                        <a:rPr lang="en-US" dirty="0"/>
-                        <a:t>emp8@company3.test</a:t>
-                      </a:r>
-                      <a:endParaRPr lang="ru-RU" dirty="0"/>
-                    </a:p>
-                  </a:txBody>
-                  <a:tcPr/>
-                </a:tc>
-                <a:tc>
-                  <a:txBody>
-                    <a:bodyPr/>
-                    <a:lstStyle/>
-                    <a:p>
-                      <a:r>
-                        <a:rPr lang="en-US" dirty="0"/>
-                        <a:t>1982-11-25</a:t>
+                        <a:t>1990-08-08</a:t>
                       </a:r>
                       <a:endParaRPr lang="ru-RU" dirty="0"/>
                     </a:p>
@@ -5586,16 +5468,16 @@
       </p:graphicFrame>
       <p:pic>
         <p:nvPicPr>
-          <p:cNvPr id="3" name="Image Shape a51b9e7e-17eb-4c0c-b90e-6fd18d7ec3e5"/>
+          <p:cNvPr id="3" name="Image Shape 0afd1f85-9344-4c08-a370-a44f9ef995fe"/>
           <p:cNvPicPr>
             <a:picLocks noChangeAspect="1"/>
           </p:cNvPicPr>
           <p:nvPr/>
         </p:nvPicPr>
         <p:blipFill>
-          <a:blip r:embed="R70ba5629e6d44b62">
-            <a:extLst>
-              <a:ext uri="{a51b9e7e-17eb-4c0c-b90e-6fd18d7ec3e5}">
+          <a:blip r:embed="R58fbab90d8ad4170">
+            <a:extLst>
+              <a:ext uri="{0afd1f85-9344-4c08-a370-a44f9ef995fe}">
                 <a14:useLocalDpi xmlns:a14="http://schemas.microsoft.com/office/drawing/2010/main" val="0"/>
               </a:ext>
             </a:extLst>
@@ -5605,7 +5487,7 @@
           </a:stretch>
         </p:blipFill>
         <p:spPr>
-          <a:xfrm>
+          <a:xfrm flipH="0" flipV="0">
             <a:off x="10668000" y="0"/>
             <a:ext cx="1524000" cy="1714500"/>
           </a:xfrm>

--- a/Test/Presentations/update_result.pptx
+++ b/Test/Presentations/update_result.pptx
@@ -8,11 +8,11 @@
     <p:notesMasterId r:id="rId5"/>
   </p:notesMasterIdLst>
   <p:sldIdLst>
-    <p:sldId id="259" r:id="Rd84bcea2abdb4893"/>
-    <p:sldId id="260" r:id="Reb729cc287884806"/>
-    <p:sldId id="261" r:id="R8ea8e5b1162344e8"/>
-    <p:sldId id="262" r:id="R6e6257c759bb4a11"/>
-    <p:sldId id="263" r:id="R8b1fc2747a5c439a"/>
+    <p:sldId id="259" r:id="R6d2506990cdb4f69"/>
+    <p:sldId id="260" r:id="R902367817bdf42f5"/>
+    <p:sldId id="261" r:id="R4bfc0876006f4255"/>
+    <p:sldId id="262" r:id="R48176c9a62a84a78"/>
+    <p:sldId id="263" r:id="R88c9d69db8fd4723"/>
   </p:sldIdLst>
   <p:sldSz cx="12192000" cy="6858000"/>
   <p:notesSz cx="6858000" cy="9144000"/>
@@ -3759,16 +3759,16 @@
       </p:sp>
       <p:pic>
         <p:nvPicPr>
-          <p:cNvPr id="3" name="Image Shape c52e5baf-c48e-44e0-aa6a-8a3edc43ea2d"/>
+          <p:cNvPr id="3" name="Image Shape 4cbc7e1d-c934-4425-acb4-a6bc8ef5df20"/>
           <p:cNvPicPr>
             <a:picLocks noChangeAspect="1"/>
           </p:cNvPicPr>
           <p:nvPr/>
         </p:nvPicPr>
         <p:blipFill>
-          <a:blip r:embed="R1e15530a042f4efd">
-            <a:extLst>
-              <a:ext uri="{c52e5baf-c48e-44e0-aa6a-8a3edc43ea2d}">
+          <a:blip r:embed="R507e2e6884b8419b">
+            <a:extLst>
+              <a:ext uri="{4cbc7e1d-c934-4425-acb4-a6bc8ef5df20}">
                 <a14:useLocalDpi xmlns:a14="http://schemas.microsoft.com/office/drawing/2010/main" val="0"/>
               </a:ext>
             </a:extLst>
@@ -3780,6 +3780,34 @@
         <p:spPr>
           <a:xfrm flipH="1" flipV="0">
             <a:off x="0" y="0"/>
+            <a:ext cx="3048000" cy="3429000"/>
+          </a:xfrm>
+          <a:prstGeom prst="rect"/>
+        </p:spPr>
+      </p:pic>
+      <p:pic>
+        <p:nvPicPr>
+          <p:cNvPr id="4" name="Image Shape f1dad711-30c8-4645-8642-a4033e403d01"/>
+          <p:cNvPicPr>
+            <a:picLocks noChangeAspect="1"/>
+          </p:cNvPicPr>
+          <p:nvPr/>
+        </p:nvPicPr>
+        <p:blipFill>
+          <a:blip r:embed="R0204dbad716144b9">
+            <a:extLst>
+              <a:ext uri="{f1dad711-30c8-4645-8642-a4033e403d01}">
+                <a14:useLocalDpi xmlns:a14="http://schemas.microsoft.com/office/drawing/2010/main" val="0"/>
+              </a:ext>
+            </a:extLst>
+          </a:blip>
+          <a:stretch>
+            <a:fillRect/>
+          </a:stretch>
+        </p:blipFill>
+        <p:spPr>
+          <a:xfrm flipH="0" flipV="0">
+            <a:off x="9144000" y="0"/>
             <a:ext cx="3048000" cy="3429000"/>
           </a:xfrm>
           <a:prstGeom prst="rect"/>
@@ -4141,7 +4169,7 @@
                     <a:p>
                       <a:r>
                         <a:rPr lang="en-US" dirty="0"/>
-                        <a:t>1982-03-12</a:t>
+                        <a:t>1991-03-14</a:t>
                       </a:r>
                       <a:endParaRPr lang="ru-RU" dirty="0"/>
                     </a:p>
@@ -4190,7 +4218,7 @@
                     <a:p>
                       <a:r>
                         <a:rPr lang="en-US" dirty="0"/>
-                        <a:t>1997-01-29</a:t>
+                        <a:t>1993-04-08</a:t>
                       </a:r>
                       <a:endParaRPr lang="ru-RU" dirty="0"/>
                     </a:p>
@@ -4239,7 +4267,7 @@
                     <a:p>
                       <a:r>
                         <a:rPr lang="en-US" dirty="0"/>
-                        <a:t>1995-04-14</a:t>
+                        <a:t>1988-03-19</a:t>
                       </a:r>
                       <a:endParaRPr lang="ru-RU" dirty="0"/>
                     </a:p>
@@ -4288,7 +4316,350 @@
                     <a:p>
                       <a:r>
                         <a:rPr lang="en-US" dirty="0"/>
-                        <a:t>1981-10-02</a:t>
+                        <a:t>1994-10-27</a:t>
+                      </a:r>
+                      <a:endParaRPr lang="ru-RU" dirty="0"/>
+                    </a:p>
+                  </a:txBody>
+                  <a:tcPr/>
+                </a:tc>
+                <a:extLst>
+                  <a:ext uri="{0D108BD9-81ED-4DB2-BD59-A6C34878D82A}">
+                    <a16:rowId xmlns:a16="http://schemas.microsoft.com/office/drawing/2014/main" val="109181570"/>
+                  </a:ext>
+                </a:extLst>
+              </a:tr>
+              <a:tr h="370840">
+                <a:tc>
+                  <a:txBody>
+                    <a:bodyPr/>
+                    <a:lstStyle/>
+                    <a:p>
+                      <a:r>
+                        <a:rPr lang="en-US"/>
+                        <a:t>Employee #5</a:t>
+                      </a:r>
+                      <a:endParaRPr lang="ru-RU" dirty="0"/>
+                    </a:p>
+                  </a:txBody>
+                  <a:tcPr/>
+                </a:tc>
+                <a:tc>
+                  <a:txBody>
+                    <a:bodyPr/>
+                    <a:lstStyle/>
+                    <a:p>
+                      <a:r>
+                        <a:rPr lang="en-US" dirty="0"/>
+                        <a:t>emp5@company1.test</a:t>
+                      </a:r>
+                      <a:endParaRPr lang="ru-RU" dirty="0"/>
+                    </a:p>
+                  </a:txBody>
+                  <a:tcPr/>
+                </a:tc>
+                <a:tc>
+                  <a:txBody>
+                    <a:bodyPr/>
+                    <a:lstStyle/>
+                    <a:p>
+                      <a:r>
+                        <a:rPr lang="en-US" dirty="0"/>
+                        <a:t>1982-10-23</a:t>
+                      </a:r>
+                      <a:endParaRPr lang="ru-RU" dirty="0"/>
+                    </a:p>
+                  </a:txBody>
+                  <a:tcPr/>
+                </a:tc>
+                <a:extLst>
+                  <a:ext uri="{0D108BD9-81ED-4DB2-BD59-A6C34878D82A}">
+                    <a16:rowId xmlns:a16="http://schemas.microsoft.com/office/drawing/2014/main" val="109181570"/>
+                  </a:ext>
+                </a:extLst>
+              </a:tr>
+              <a:tr h="370840">
+                <a:tc>
+                  <a:txBody>
+                    <a:bodyPr/>
+                    <a:lstStyle/>
+                    <a:p>
+                      <a:r>
+                        <a:rPr lang="en-US"/>
+                        <a:t>Employee #6</a:t>
+                      </a:r>
+                      <a:endParaRPr lang="ru-RU" dirty="0"/>
+                    </a:p>
+                  </a:txBody>
+                  <a:tcPr/>
+                </a:tc>
+                <a:tc>
+                  <a:txBody>
+                    <a:bodyPr/>
+                    <a:lstStyle/>
+                    <a:p>
+                      <a:r>
+                        <a:rPr lang="en-US" dirty="0"/>
+                        <a:t>emp6@company1.test</a:t>
+                      </a:r>
+                      <a:endParaRPr lang="ru-RU" dirty="0"/>
+                    </a:p>
+                  </a:txBody>
+                  <a:tcPr/>
+                </a:tc>
+                <a:tc>
+                  <a:txBody>
+                    <a:bodyPr/>
+                    <a:lstStyle/>
+                    <a:p>
+                      <a:r>
+                        <a:rPr lang="en-US" dirty="0"/>
+                        <a:t>1981-04-17</a:t>
+                      </a:r>
+                      <a:endParaRPr lang="ru-RU" dirty="0"/>
+                    </a:p>
+                  </a:txBody>
+                  <a:tcPr/>
+                </a:tc>
+                <a:extLst>
+                  <a:ext uri="{0D108BD9-81ED-4DB2-BD59-A6C34878D82A}">
+                    <a16:rowId xmlns:a16="http://schemas.microsoft.com/office/drawing/2014/main" val="109181570"/>
+                  </a:ext>
+                </a:extLst>
+              </a:tr>
+              <a:tr h="370840">
+                <a:tc>
+                  <a:txBody>
+                    <a:bodyPr/>
+                    <a:lstStyle/>
+                    <a:p>
+                      <a:r>
+                        <a:rPr lang="en-US"/>
+                        <a:t>Employee #7</a:t>
+                      </a:r>
+                      <a:endParaRPr lang="ru-RU" dirty="0"/>
+                    </a:p>
+                  </a:txBody>
+                  <a:tcPr/>
+                </a:tc>
+                <a:tc>
+                  <a:txBody>
+                    <a:bodyPr/>
+                    <a:lstStyle/>
+                    <a:p>
+                      <a:r>
+                        <a:rPr lang="en-US" dirty="0"/>
+                        <a:t>emp7@company1.test</a:t>
+                      </a:r>
+                      <a:endParaRPr lang="ru-RU" dirty="0"/>
+                    </a:p>
+                  </a:txBody>
+                  <a:tcPr/>
+                </a:tc>
+                <a:tc>
+                  <a:txBody>
+                    <a:bodyPr/>
+                    <a:lstStyle/>
+                    <a:p>
+                      <a:r>
+                        <a:rPr lang="en-US" dirty="0"/>
+                        <a:t>1990-02-24</a:t>
+                      </a:r>
+                      <a:endParaRPr lang="ru-RU" dirty="0"/>
+                    </a:p>
+                  </a:txBody>
+                  <a:tcPr/>
+                </a:tc>
+                <a:extLst>
+                  <a:ext uri="{0D108BD9-81ED-4DB2-BD59-A6C34878D82A}">
+                    <a16:rowId xmlns:a16="http://schemas.microsoft.com/office/drawing/2014/main" val="109181570"/>
+                  </a:ext>
+                </a:extLst>
+              </a:tr>
+              <a:tr h="370840">
+                <a:tc>
+                  <a:txBody>
+                    <a:bodyPr/>
+                    <a:lstStyle/>
+                    <a:p>
+                      <a:r>
+                        <a:rPr lang="en-US"/>
+                        <a:t>Employee #8</a:t>
+                      </a:r>
+                      <a:endParaRPr lang="ru-RU" dirty="0"/>
+                    </a:p>
+                  </a:txBody>
+                  <a:tcPr/>
+                </a:tc>
+                <a:tc>
+                  <a:txBody>
+                    <a:bodyPr/>
+                    <a:lstStyle/>
+                    <a:p>
+                      <a:r>
+                        <a:rPr lang="en-US" dirty="0"/>
+                        <a:t>emp8@company1.test</a:t>
+                      </a:r>
+                      <a:endParaRPr lang="ru-RU" dirty="0"/>
+                    </a:p>
+                  </a:txBody>
+                  <a:tcPr/>
+                </a:tc>
+                <a:tc>
+                  <a:txBody>
+                    <a:bodyPr/>
+                    <a:lstStyle/>
+                    <a:p>
+                      <a:r>
+                        <a:rPr lang="en-US" dirty="0"/>
+                        <a:t>1985-05-28</a:t>
+                      </a:r>
+                      <a:endParaRPr lang="ru-RU" dirty="0"/>
+                    </a:p>
+                  </a:txBody>
+                  <a:tcPr/>
+                </a:tc>
+                <a:extLst>
+                  <a:ext uri="{0D108BD9-81ED-4DB2-BD59-A6C34878D82A}">
+                    <a16:rowId xmlns:a16="http://schemas.microsoft.com/office/drawing/2014/main" val="109181570"/>
+                  </a:ext>
+                </a:extLst>
+              </a:tr>
+              <a:tr h="370840">
+                <a:tc>
+                  <a:txBody>
+                    <a:bodyPr/>
+                    <a:lstStyle/>
+                    <a:p>
+                      <a:r>
+                        <a:rPr lang="en-US"/>
+                        <a:t>Employee #9</a:t>
+                      </a:r>
+                      <a:endParaRPr lang="ru-RU" dirty="0"/>
+                    </a:p>
+                  </a:txBody>
+                  <a:tcPr/>
+                </a:tc>
+                <a:tc>
+                  <a:txBody>
+                    <a:bodyPr/>
+                    <a:lstStyle/>
+                    <a:p>
+                      <a:r>
+                        <a:rPr lang="en-US" dirty="0"/>
+                        <a:t>emp9@company1.test</a:t>
+                      </a:r>
+                      <a:endParaRPr lang="ru-RU" dirty="0"/>
+                    </a:p>
+                  </a:txBody>
+                  <a:tcPr/>
+                </a:tc>
+                <a:tc>
+                  <a:txBody>
+                    <a:bodyPr/>
+                    <a:lstStyle/>
+                    <a:p>
+                      <a:r>
+                        <a:rPr lang="en-US" dirty="0"/>
+                        <a:t>1986-07-26</a:t>
+                      </a:r>
+                      <a:endParaRPr lang="ru-RU" dirty="0"/>
+                    </a:p>
+                  </a:txBody>
+                  <a:tcPr/>
+                </a:tc>
+                <a:extLst>
+                  <a:ext uri="{0D108BD9-81ED-4DB2-BD59-A6C34878D82A}">
+                    <a16:rowId xmlns:a16="http://schemas.microsoft.com/office/drawing/2014/main" val="109181570"/>
+                  </a:ext>
+                </a:extLst>
+              </a:tr>
+              <a:tr h="370840">
+                <a:tc>
+                  <a:txBody>
+                    <a:bodyPr/>
+                    <a:lstStyle/>
+                    <a:p>
+                      <a:r>
+                        <a:rPr lang="en-US"/>
+                        <a:t>Employee #10</a:t>
+                      </a:r>
+                      <a:endParaRPr lang="ru-RU" dirty="0"/>
+                    </a:p>
+                  </a:txBody>
+                  <a:tcPr/>
+                </a:tc>
+                <a:tc>
+                  <a:txBody>
+                    <a:bodyPr/>
+                    <a:lstStyle/>
+                    <a:p>
+                      <a:r>
+                        <a:rPr lang="en-US" dirty="0"/>
+                        <a:t>emp10@company1.test</a:t>
+                      </a:r>
+                      <a:endParaRPr lang="ru-RU" dirty="0"/>
+                    </a:p>
+                  </a:txBody>
+                  <a:tcPr/>
+                </a:tc>
+                <a:tc>
+                  <a:txBody>
+                    <a:bodyPr/>
+                    <a:lstStyle/>
+                    <a:p>
+                      <a:r>
+                        <a:rPr lang="en-US" dirty="0"/>
+                        <a:t>1995-08-30</a:t>
+                      </a:r>
+                      <a:endParaRPr lang="ru-RU" dirty="0"/>
+                    </a:p>
+                  </a:txBody>
+                  <a:tcPr/>
+                </a:tc>
+                <a:extLst>
+                  <a:ext uri="{0D108BD9-81ED-4DB2-BD59-A6C34878D82A}">
+                    <a16:rowId xmlns:a16="http://schemas.microsoft.com/office/drawing/2014/main" val="109181570"/>
+                  </a:ext>
+                </a:extLst>
+              </a:tr>
+              <a:tr h="370840">
+                <a:tc>
+                  <a:txBody>
+                    <a:bodyPr/>
+                    <a:lstStyle/>
+                    <a:p>
+                      <a:r>
+                        <a:rPr lang="en-US"/>
+                        <a:t>Employee #11</a:t>
+                      </a:r>
+                      <a:endParaRPr lang="ru-RU" dirty="0"/>
+                    </a:p>
+                  </a:txBody>
+                  <a:tcPr/>
+                </a:tc>
+                <a:tc>
+                  <a:txBody>
+                    <a:bodyPr/>
+                    <a:lstStyle/>
+                    <a:p>
+                      <a:r>
+                        <a:rPr lang="en-US" dirty="0"/>
+                        <a:t>emp11@company1.test</a:t>
+                      </a:r>
+                      <a:endParaRPr lang="ru-RU" dirty="0"/>
+                    </a:p>
+                  </a:txBody>
+                  <a:tcPr/>
+                </a:tc>
+                <a:tc>
+                  <a:txBody>
+                    <a:bodyPr/>
+                    <a:lstStyle/>
+                    <a:p>
+                      <a:r>
+                        <a:rPr lang="en-US" dirty="0"/>
+                        <a:t>1986-10-01</a:t>
                       </a:r>
                       <a:endParaRPr lang="ru-RU" dirty="0"/>
                     </a:p>
@@ -4307,16 +4678,16 @@
       </p:graphicFrame>
       <p:pic>
         <p:nvPicPr>
-          <p:cNvPr id="3" name="Image Shape 38859314-47c5-4bff-908f-ca0e4a79ebe2"/>
+          <p:cNvPr id="3" name="Image Shape 347804fa-aa00-4971-ba82-61cb117bfd5e"/>
           <p:cNvPicPr>
             <a:picLocks noChangeAspect="1"/>
           </p:cNvPicPr>
           <p:nvPr/>
         </p:nvPicPr>
         <p:blipFill>
-          <a:blip r:embed="Rcc3d2116df57476c">
-            <a:extLst>
-              <a:ext uri="{38859314-47c5-4bff-908f-ca0e4a79ebe2}">
+          <a:blip r:embed="R0dd0e7de30814922">
+            <a:extLst>
+              <a:ext uri="{347804fa-aa00-4971-ba82-61cb117bfd5e}">
                 <a14:useLocalDpi xmlns:a14="http://schemas.microsoft.com/office/drawing/2010/main" val="0"/>
               </a:ext>
             </a:extLst>
@@ -4550,7 +4921,7 @@
                     <a:p>
                       <a:r>
                         <a:rPr lang="en-US" dirty="0"/>
-                        <a:t>1994-09-03</a:t>
+                        <a:t>1995-07-05</a:t>
                       </a:r>
                       <a:endParaRPr lang="ru-RU" dirty="0"/>
                     </a:p>
@@ -4599,7 +4970,7 @@
                     <a:p>
                       <a:r>
                         <a:rPr lang="en-US" dirty="0"/>
-                        <a:t>1987-01-28</a:t>
+                        <a:t>1989-06-18</a:t>
                       </a:r>
                       <a:endParaRPr lang="ru-RU" dirty="0"/>
                     </a:p>
@@ -4648,7 +5019,7 @@
                     <a:p>
                       <a:r>
                         <a:rPr lang="en-US" dirty="0"/>
-                        <a:t>1986-09-16</a:t>
+                        <a:t>1992-03-23</a:t>
                       </a:r>
                       <a:endParaRPr lang="ru-RU" dirty="0"/>
                     </a:p>
@@ -4697,7 +5068,7 @@
                     <a:p>
                       <a:r>
                         <a:rPr lang="en-US" dirty="0"/>
-                        <a:t>1995-03-07</a:t>
+                        <a:t>1981-03-25</a:t>
                       </a:r>
                       <a:endParaRPr lang="ru-RU" dirty="0"/>
                     </a:p>
@@ -4746,7 +5117,7 @@
                     <a:p>
                       <a:r>
                         <a:rPr lang="en-US" dirty="0"/>
-                        <a:t>1990-09-30</a:t>
+                        <a:t>1983-11-15</a:t>
                       </a:r>
                       <a:endParaRPr lang="ru-RU" dirty="0"/>
                     </a:p>
@@ -4795,154 +5166,7 @@
                     <a:p>
                       <a:r>
                         <a:rPr lang="en-US" dirty="0"/>
-                        <a:t>1981-04-03</a:t>
-                      </a:r>
-                      <a:endParaRPr lang="ru-RU" dirty="0"/>
-                    </a:p>
-                  </a:txBody>
-                  <a:tcPr/>
-                </a:tc>
-                <a:extLst>
-                  <a:ext uri="{0D108BD9-81ED-4DB2-BD59-A6C34878D82A}">
-                    <a16:rowId xmlns:a16="http://schemas.microsoft.com/office/drawing/2014/main" val="109181570"/>
-                  </a:ext>
-                </a:extLst>
-              </a:tr>
-              <a:tr h="370840">
-                <a:tc>
-                  <a:txBody>
-                    <a:bodyPr/>
-                    <a:lstStyle/>
-                    <a:p>
-                      <a:r>
-                        <a:rPr lang="en-US"/>
-                        <a:t>Employee #7</a:t>
-                      </a:r>
-                      <a:endParaRPr lang="ru-RU" dirty="0"/>
-                    </a:p>
-                  </a:txBody>
-                  <a:tcPr/>
-                </a:tc>
-                <a:tc>
-                  <a:txBody>
-                    <a:bodyPr/>
-                    <a:lstStyle/>
-                    <a:p>
-                      <a:r>
-                        <a:rPr lang="en-US" dirty="0"/>
-                        <a:t>emp7@company2.test</a:t>
-                      </a:r>
-                      <a:endParaRPr lang="ru-RU" dirty="0"/>
-                    </a:p>
-                  </a:txBody>
-                  <a:tcPr/>
-                </a:tc>
-                <a:tc>
-                  <a:txBody>
-                    <a:bodyPr/>
-                    <a:lstStyle/>
-                    <a:p>
-                      <a:r>
-                        <a:rPr lang="en-US" dirty="0"/>
-                        <a:t>1998-01-10</a:t>
-                      </a:r>
-                      <a:endParaRPr lang="ru-RU" dirty="0"/>
-                    </a:p>
-                  </a:txBody>
-                  <a:tcPr/>
-                </a:tc>
-                <a:extLst>
-                  <a:ext uri="{0D108BD9-81ED-4DB2-BD59-A6C34878D82A}">
-                    <a16:rowId xmlns:a16="http://schemas.microsoft.com/office/drawing/2014/main" val="109181570"/>
-                  </a:ext>
-                </a:extLst>
-              </a:tr>
-              <a:tr h="370840">
-                <a:tc>
-                  <a:txBody>
-                    <a:bodyPr/>
-                    <a:lstStyle/>
-                    <a:p>
-                      <a:r>
-                        <a:rPr lang="en-US"/>
-                        <a:t>Employee #8</a:t>
-                      </a:r>
-                      <a:endParaRPr lang="ru-RU" dirty="0"/>
-                    </a:p>
-                  </a:txBody>
-                  <a:tcPr/>
-                </a:tc>
-                <a:tc>
-                  <a:txBody>
-                    <a:bodyPr/>
-                    <a:lstStyle/>
-                    <a:p>
-                      <a:r>
-                        <a:rPr lang="en-US" dirty="0"/>
-                        <a:t>emp8@company2.test</a:t>
-                      </a:r>
-                      <a:endParaRPr lang="ru-RU" dirty="0"/>
-                    </a:p>
-                  </a:txBody>
-                  <a:tcPr/>
-                </a:tc>
-                <a:tc>
-                  <a:txBody>
-                    <a:bodyPr/>
-                    <a:lstStyle/>
-                    <a:p>
-                      <a:r>
-                        <a:rPr lang="en-US" dirty="0"/>
-                        <a:t>1999-08-20</a:t>
-                      </a:r>
-                      <a:endParaRPr lang="ru-RU" dirty="0"/>
-                    </a:p>
-                  </a:txBody>
-                  <a:tcPr/>
-                </a:tc>
-                <a:extLst>
-                  <a:ext uri="{0D108BD9-81ED-4DB2-BD59-A6C34878D82A}">
-                    <a16:rowId xmlns:a16="http://schemas.microsoft.com/office/drawing/2014/main" val="109181570"/>
-                  </a:ext>
-                </a:extLst>
-              </a:tr>
-              <a:tr h="370840">
-                <a:tc>
-                  <a:txBody>
-                    <a:bodyPr/>
-                    <a:lstStyle/>
-                    <a:p>
-                      <a:r>
-                        <a:rPr lang="en-US"/>
-                        <a:t>Employee #9</a:t>
-                      </a:r>
-                      <a:endParaRPr lang="ru-RU" dirty="0"/>
-                    </a:p>
-                  </a:txBody>
-                  <a:tcPr/>
-                </a:tc>
-                <a:tc>
-                  <a:txBody>
-                    <a:bodyPr/>
-                    <a:lstStyle/>
-                    <a:p>
-                      <a:r>
-                        <a:rPr lang="en-US" dirty="0"/>
-                        <a:t>emp9@company2.test</a:t>
-                      </a:r>
-                      <a:endParaRPr lang="ru-RU" dirty="0"/>
-                    </a:p>
-                  </a:txBody>
-                  <a:tcPr/>
-                </a:tc>
-                <a:tc>
-                  <a:txBody>
-                    <a:bodyPr/>
-                    <a:lstStyle/>
-                    <a:p>
-                      <a:r>
-                        <a:rPr lang="en-US" dirty="0"/>
-                        <a:t>1999-01-29</a:t>
+                        <a:t>1982-08-29</a:t>
                       </a:r>
                       <a:endParaRPr lang="ru-RU" dirty="0"/>
                     </a:p>
@@ -4961,16 +5185,16 @@
       </p:graphicFrame>
       <p:pic>
         <p:nvPicPr>
-          <p:cNvPr id="3" name="Image Shape 7d04ae67-4194-4e4b-9ab7-e5de9dee1aa3"/>
+          <p:cNvPr id="3" name="Image Shape 7c23bc7e-2909-486d-ae8c-2a40571a6053"/>
           <p:cNvPicPr>
             <a:picLocks noChangeAspect="1"/>
           </p:cNvPicPr>
           <p:nvPr/>
         </p:nvPicPr>
         <p:blipFill>
-          <a:blip r:embed="Rbc003d37ca8d4aec">
-            <a:extLst>
-              <a:ext uri="{7d04ae67-4194-4e4b-9ab7-e5de9dee1aa3}">
+          <a:blip r:embed="R779d0bbc32c542cb">
+            <a:extLst>
+              <a:ext uri="{7c23bc7e-2909-486d-ae8c-2a40571a6053}">
                 <a14:useLocalDpi xmlns:a14="http://schemas.microsoft.com/office/drawing/2010/main" val="0"/>
               </a:ext>
             </a:extLst>
@@ -5204,7 +5428,7 @@
                     <a:p>
                       <a:r>
                         <a:rPr lang="en-US" dirty="0"/>
-                        <a:t>1985-08-12</a:t>
+                        <a:t>1993-01-22</a:t>
                       </a:r>
                       <a:endParaRPr lang="ru-RU" dirty="0"/>
                     </a:p>
@@ -5253,7 +5477,7 @@
                     <a:p>
                       <a:r>
                         <a:rPr lang="en-US" dirty="0"/>
-                        <a:t>1984-02-29</a:t>
+                        <a:t>1993-06-17</a:t>
                       </a:r>
                       <a:endParaRPr lang="ru-RU" dirty="0"/>
                     </a:p>
@@ -5302,7 +5526,7 @@
                     <a:p>
                       <a:r>
                         <a:rPr lang="en-US" dirty="0"/>
-                        <a:t>1992-09-06</a:t>
+                        <a:t>1984-09-06</a:t>
                       </a:r>
                       <a:endParaRPr lang="ru-RU" dirty="0"/>
                     </a:p>
@@ -5351,105 +5575,7 @@
                     <a:p>
                       <a:r>
                         <a:rPr lang="en-US" dirty="0"/>
-                        <a:t>1994-05-28</a:t>
-                      </a:r>
-                      <a:endParaRPr lang="ru-RU" dirty="0"/>
-                    </a:p>
-                  </a:txBody>
-                  <a:tcPr/>
-                </a:tc>
-                <a:extLst>
-                  <a:ext uri="{0D108BD9-81ED-4DB2-BD59-A6C34878D82A}">
-                    <a16:rowId xmlns:a16="http://schemas.microsoft.com/office/drawing/2014/main" val="109181570"/>
-                  </a:ext>
-                </a:extLst>
-              </a:tr>
-              <a:tr h="370840">
-                <a:tc>
-                  <a:txBody>
-                    <a:bodyPr/>
-                    <a:lstStyle/>
-                    <a:p>
-                      <a:r>
-                        <a:rPr lang="en-US"/>
-                        <a:t>Employee #5</a:t>
-                      </a:r>
-                      <a:endParaRPr lang="ru-RU" dirty="0"/>
-                    </a:p>
-                  </a:txBody>
-                  <a:tcPr/>
-                </a:tc>
-                <a:tc>
-                  <a:txBody>
-                    <a:bodyPr/>
-                    <a:lstStyle/>
-                    <a:p>
-                      <a:r>
-                        <a:rPr lang="en-US" dirty="0"/>
-                        <a:t>emp5@company3.test</a:t>
-                      </a:r>
-                      <a:endParaRPr lang="ru-RU" dirty="0"/>
-                    </a:p>
-                  </a:txBody>
-                  <a:tcPr/>
-                </a:tc>
-                <a:tc>
-                  <a:txBody>
-                    <a:bodyPr/>
-                    <a:lstStyle/>
-                    <a:p>
-                      <a:r>
-                        <a:rPr lang="en-US" dirty="0"/>
-                        <a:t>1998-02-20</a:t>
-                      </a:r>
-                      <a:endParaRPr lang="ru-RU" dirty="0"/>
-                    </a:p>
-                  </a:txBody>
-                  <a:tcPr/>
-                </a:tc>
-                <a:extLst>
-                  <a:ext uri="{0D108BD9-81ED-4DB2-BD59-A6C34878D82A}">
-                    <a16:rowId xmlns:a16="http://schemas.microsoft.com/office/drawing/2014/main" val="109181570"/>
-                  </a:ext>
-                </a:extLst>
-              </a:tr>
-              <a:tr h="370840">
-                <a:tc>
-                  <a:txBody>
-                    <a:bodyPr/>
-                    <a:lstStyle/>
-                    <a:p>
-                      <a:r>
-                        <a:rPr lang="en-US"/>
-                        <a:t>Employee #6</a:t>
-                      </a:r>
-                      <a:endParaRPr lang="ru-RU" dirty="0"/>
-                    </a:p>
-                  </a:txBody>
-                  <a:tcPr/>
-                </a:tc>
-                <a:tc>
-                  <a:txBody>
-                    <a:bodyPr/>
-                    <a:lstStyle/>
-                    <a:p>
-                      <a:r>
-                        <a:rPr lang="en-US" dirty="0"/>
-                        <a:t>emp6@company3.test</a:t>
-                      </a:r>
-                      <a:endParaRPr lang="ru-RU" dirty="0"/>
-                    </a:p>
-                  </a:txBody>
-                  <a:tcPr/>
-                </a:tc>
-                <a:tc>
-                  <a:txBody>
-                    <a:bodyPr/>
-                    <a:lstStyle/>
-                    <a:p>
-                      <a:r>
-                        <a:rPr lang="en-US" dirty="0"/>
-                        <a:t>1990-08-08</a:t>
+                        <a:t>1988-07-02</a:t>
                       </a:r>
                       <a:endParaRPr lang="ru-RU" dirty="0"/>
                     </a:p>
@@ -5468,16 +5594,16 @@
       </p:graphicFrame>
       <p:pic>
         <p:nvPicPr>
-          <p:cNvPr id="3" name="Image Shape 0afd1f85-9344-4c08-a370-a44f9ef995fe"/>
+          <p:cNvPr id="3" name="Image Shape 43c8e125-0caa-4dca-9f5d-a329e350e93d"/>
           <p:cNvPicPr>
             <a:picLocks noChangeAspect="1"/>
           </p:cNvPicPr>
           <p:nvPr/>
         </p:nvPicPr>
         <p:blipFill>
-          <a:blip r:embed="R58fbab90d8ad4170">
-            <a:extLst>
-              <a:ext uri="{0afd1f85-9344-4c08-a370-a44f9ef995fe}">
+          <a:blip r:embed="R98aa4d1ef8034f11">
+            <a:extLst>
+              <a:ext uri="{43c8e125-0caa-4dca-9f5d-a329e350e93d}">
                 <a14:useLocalDpi xmlns:a14="http://schemas.microsoft.com/office/drawing/2010/main" val="0"/>
               </a:ext>
             </a:extLst>

--- a/Test/Presentations/update_result.pptx
+++ b/Test/Presentations/update_result.pptx
@@ -8,11 +8,11 @@
     <p:notesMasterId r:id="rId5"/>
   </p:notesMasterIdLst>
   <p:sldIdLst>
-    <p:sldId id="259" r:id="R6d2506990cdb4f69"/>
-    <p:sldId id="260" r:id="R902367817bdf42f5"/>
-    <p:sldId id="261" r:id="R4bfc0876006f4255"/>
-    <p:sldId id="262" r:id="R48176c9a62a84a78"/>
-    <p:sldId id="263" r:id="R88c9d69db8fd4723"/>
+    <p:sldId id="259" r:id="Re0269fa4a97a4e52"/>
+    <p:sldId id="260" r:id="R5d95d557a94f47fe"/>
+    <p:sldId id="261" r:id="R9abb8d42387a4bb0"/>
+    <p:sldId id="262" r:id="R97589fb439c145f7"/>
+    <p:sldId id="263" r:id="Rd0ecbefa66944095"/>
   </p:sldIdLst>
   <p:sldSz cx="12192000" cy="6858000"/>
   <p:notesSz cx="6858000" cy="9144000"/>
@@ -204,7 +204,7 @@
           <a:p>
             <a:fld id="{96129386-331A-4479-A604-9D03FC98566D}" type="datetimeFigureOut">
               <a:rPr lang="ru-RU" smtClean="0"/>
-              <a:t>24.09.2024</a:t>
+              <a:t>27.09.2024</a:t>
             </a:fld>
             <a:endParaRPr lang="ru-RU"/>
           </a:p>
@@ -618,7 +618,7 @@
           <a:p>
             <a:fld id="{60333C80-F893-47D7-9906-1E3D3180BB29}" type="datetimeFigureOut">
               <a:rPr lang="ru-RU" smtClean="0"/>
-              <a:t>24.09.2024</a:t>
+              <a:t>27.09.2024</a:t>
             </a:fld>
             <a:endParaRPr lang="ru-RU"/>
           </a:p>
@@ -816,7 +816,7 @@
           <a:p>
             <a:fld id="{60333C80-F893-47D7-9906-1E3D3180BB29}" type="datetimeFigureOut">
               <a:rPr lang="ru-RU" smtClean="0"/>
-              <a:t>24.09.2024</a:t>
+              <a:t>27.09.2024</a:t>
             </a:fld>
             <a:endParaRPr lang="ru-RU"/>
           </a:p>
@@ -1024,7 +1024,7 @@
           <a:p>
             <a:fld id="{60333C80-F893-47D7-9906-1E3D3180BB29}" type="datetimeFigureOut">
               <a:rPr lang="ru-RU" smtClean="0"/>
-              <a:t>24.09.2024</a:t>
+              <a:t>27.09.2024</a:t>
             </a:fld>
             <a:endParaRPr lang="ru-RU"/>
           </a:p>
@@ -1222,7 +1222,7 @@
           <a:p>
             <a:fld id="{60333C80-F893-47D7-9906-1E3D3180BB29}" type="datetimeFigureOut">
               <a:rPr lang="ru-RU" smtClean="0"/>
-              <a:t>24.09.2024</a:t>
+              <a:t>27.09.2024</a:t>
             </a:fld>
             <a:endParaRPr lang="ru-RU"/>
           </a:p>
@@ -1497,7 +1497,7 @@
           <a:p>
             <a:fld id="{60333C80-F893-47D7-9906-1E3D3180BB29}" type="datetimeFigureOut">
               <a:rPr lang="ru-RU" smtClean="0"/>
-              <a:t>24.09.2024</a:t>
+              <a:t>27.09.2024</a:t>
             </a:fld>
             <a:endParaRPr lang="ru-RU"/>
           </a:p>
@@ -1762,7 +1762,7 @@
           <a:p>
             <a:fld id="{60333C80-F893-47D7-9906-1E3D3180BB29}" type="datetimeFigureOut">
               <a:rPr lang="ru-RU" smtClean="0"/>
-              <a:t>24.09.2024</a:t>
+              <a:t>27.09.2024</a:t>
             </a:fld>
             <a:endParaRPr lang="ru-RU"/>
           </a:p>
@@ -2174,7 +2174,7 @@
           <a:p>
             <a:fld id="{60333C80-F893-47D7-9906-1E3D3180BB29}" type="datetimeFigureOut">
               <a:rPr lang="ru-RU" smtClean="0"/>
-              <a:t>24.09.2024</a:t>
+              <a:t>27.09.2024</a:t>
             </a:fld>
             <a:endParaRPr lang="ru-RU"/>
           </a:p>
@@ -2315,7 +2315,7 @@
           <a:p>
             <a:fld id="{60333C80-F893-47D7-9906-1E3D3180BB29}" type="datetimeFigureOut">
               <a:rPr lang="ru-RU" smtClean="0"/>
-              <a:t>24.09.2024</a:t>
+              <a:t>27.09.2024</a:t>
             </a:fld>
             <a:endParaRPr lang="ru-RU"/>
           </a:p>
@@ -2428,7 +2428,7 @@
           <a:p>
             <a:fld id="{60333C80-F893-47D7-9906-1E3D3180BB29}" type="datetimeFigureOut">
               <a:rPr lang="ru-RU" smtClean="0"/>
-              <a:t>24.09.2024</a:t>
+              <a:t>27.09.2024</a:t>
             </a:fld>
             <a:endParaRPr lang="ru-RU"/>
           </a:p>
@@ -2739,7 +2739,7 @@
           <a:p>
             <a:fld id="{60333C80-F893-47D7-9906-1E3D3180BB29}" type="datetimeFigureOut">
               <a:rPr lang="ru-RU" smtClean="0"/>
-              <a:t>24.09.2024</a:t>
+              <a:t>27.09.2024</a:t>
             </a:fld>
             <a:endParaRPr lang="ru-RU"/>
           </a:p>
@@ -3027,7 +3027,7 @@
           <a:p>
             <a:fld id="{60333C80-F893-47D7-9906-1E3D3180BB29}" type="datetimeFigureOut">
               <a:rPr lang="ru-RU" smtClean="0"/>
-              <a:t>24.09.2024</a:t>
+              <a:t>27.09.2024</a:t>
             </a:fld>
             <a:endParaRPr lang="ru-RU"/>
           </a:p>
@@ -3268,7 +3268,7 @@
           <a:p>
             <a:fld id="{60333C80-F893-47D7-9906-1E3D3180BB29}" type="datetimeFigureOut">
               <a:rPr lang="ru-RU" smtClean="0"/>
-              <a:t>24.09.2024</a:t>
+              <a:t>27.09.2024</a:t>
             </a:fld>
             <a:endParaRPr lang="ru-RU"/>
           </a:p>
@@ -3669,7 +3669,7 @@
 </file>
 
 <file path=ppt/slides/slide4.xml><?xml version="1.0" encoding="utf-8"?>
-<p:sld xmlns:a16="http://schemas.microsoft.com/office/drawing/2014/main" xmlns:a14="http://schemas.microsoft.com/office/drawing/2010/main" xmlns:p14="http://schemas.microsoft.com/office/powerpoint/2010/main" xmlns:a="http://schemas.openxmlformats.org/drawingml/2006/main" xmlns:r="http://schemas.openxmlformats.org/officeDocument/2006/relationships" xmlns:p="http://schemas.openxmlformats.org/presentationml/2006/main">
+<p:sld xmlns:a16="http://schemas.microsoft.com/office/drawing/2014/main" xmlns:p14="http://schemas.microsoft.com/office/powerpoint/2010/main" xmlns:mc="http://schemas.openxmlformats.org/markup-compatibility/2006" xmlns:v="urn:schemas-microsoft-com:vml" xmlns:a14="http://schemas.microsoft.com/office/drawing/2010/main" xmlns:a="http://schemas.openxmlformats.org/drawingml/2006/main" xmlns:r="http://schemas.openxmlformats.org/officeDocument/2006/relationships" xmlns:p="http://schemas.openxmlformats.org/presentationml/2006/main">
   <p:cSld>
     <p:spTree>
       <p:nvGrpSpPr>
@@ -3744,7 +3744,7 @@
                   </a:schemeClr>
                 </a:solidFill>
               </a:rPr>
-              <a:t>Date: 25.09.2024</a:t>
+              <a:t>Date: 27.09.2024</a:t>
             </a:r>
             <a:endParaRPr lang="ru-RU" dirty="0">
               <a:solidFill>
@@ -3757,18 +3757,76 @@
           </a:p>
         </p:txBody>
       </p:sp>
+      <p:graphicFrame>
+        <p:nvGraphicFramePr>
+          <p:cNvPr id="4" name="Объект 3">
+            <a:extLst>
+              <a:ext uri="{FF2B5EF4-FFF2-40B4-BE49-F238E27FC236}">
+                <a16:creationId xmlns:a16="http://schemas.microsoft.com/office/drawing/2014/main" id="{AF764765-9F42-82E8-66C4-5CD2B02ACAF3}"/>
+              </a:ext>
+            </a:extLst>
+          </p:cNvPr>
+          <p:cNvGraphicFramePr>
+            <a:graphicFrameLocks noChangeAspect="1"/>
+          </p:cNvGraphicFramePr>
+          <p:nvPr>
+            <p:extLst>
+              <p:ext uri="{D42A27DB-BD31-4B8C-83A1-F6EECF244321}">
+                <p14:modId xmlns:p14="http://schemas.microsoft.com/office/powerpoint/2010/main" val="3660598938"/>
+              </p:ext>
+            </p:extLst>
+          </p:nvPr>
+        </p:nvGraphicFramePr>
+        <p:xfrm>
+          <a:off x="2032000" y="719138"/>
+          <a:ext cx="8128000" cy="5418137"/>
+        </p:xfrm>
+        <a:graphic>
+          <a:graphicData uri="http://schemas.openxmlformats.org/presentationml/2006/ole">
+            <mc:AlternateContent xmlns:mc="http://schemas.openxmlformats.org/markup-compatibility/2006">
+              <mc:Choice xmlns:v="urn:schemas-microsoft-com:vml" Requires="v">
+                <p:oleObj name="Точечный рисунок" r:id="rId2" imgW="0" imgH="0" progId="Paint.Picture">
+                  <p:embed/>
+                </p:oleObj>
+              </mc:Choice>
+              <mc:Fallback>
+                <p:oleObj name="Точечный рисунок" r:id="rId2" imgW="0" imgH="0" progId="Paint.Picture">
+                  <p:embed/>
+                  <p:pic>
+                    <p:nvPicPr>
+                      <p:cNvPr id="0" name=""/>
+                      <p:cNvPicPr/>
+                      <p:nvPr/>
+                    </p:nvPicPr>
+                    <p:blipFill/>
+                    <p:spPr>
+                      <a:xfrm>
+                        <a:off x="2032000" y="719138"/>
+                        <a:ext cx="8128000" cy="5418137"/>
+                      </a:xfrm>
+                      <a:prstGeom prst="rect">
+                        <a:avLst/>
+                      </a:prstGeom>
+                    </p:spPr>
+                  </p:pic>
+                </p:oleObj>
+              </mc:Fallback>
+            </mc:AlternateContent>
+          </a:graphicData>
+        </a:graphic>
+      </p:graphicFrame>
       <p:pic>
         <p:nvPicPr>
-          <p:cNvPr id="3" name="Image Shape 4cbc7e1d-c934-4425-acb4-a6bc8ef5df20"/>
+          <p:cNvPr id="4" name="Image Shape a3cbb92c-6ef2-4fdd-86ee-8d4e235a6b8d"/>
           <p:cNvPicPr>
             <a:picLocks noChangeAspect="1"/>
           </p:cNvPicPr>
           <p:nvPr/>
         </p:nvPicPr>
         <p:blipFill>
-          <a:blip r:embed="R507e2e6884b8419b">
-            <a:extLst>
-              <a:ext uri="{4cbc7e1d-c934-4425-acb4-a6bc8ef5df20}">
+          <a:blip r:embed="Rdaf49819abcb4a44">
+            <a:extLst>
+              <a:ext uri="{a3cbb92c-6ef2-4fdd-86ee-8d4e235a6b8d}">
                 <a14:useLocalDpi xmlns:a14="http://schemas.microsoft.com/office/drawing/2010/main" val="0"/>
               </a:ext>
             </a:extLst>
@@ -3787,16 +3845,16 @@
       </p:pic>
       <p:pic>
         <p:nvPicPr>
-          <p:cNvPr id="4" name="Image Shape f1dad711-30c8-4645-8642-a4033e403d01"/>
+          <p:cNvPr id="5" name="Image Shape d63d81b7-b7c8-47d1-b005-917d90a19d3a"/>
           <p:cNvPicPr>
             <a:picLocks noChangeAspect="1"/>
           </p:cNvPicPr>
           <p:nvPr/>
         </p:nvPicPr>
         <p:blipFill>
-          <a:blip r:embed="R0204dbad716144b9">
-            <a:extLst>
-              <a:ext uri="{f1dad711-30c8-4645-8642-a4033e403d01}">
+          <a:blip r:embed="R1958c521f11b4a19">
+            <a:extLst>
+              <a:ext uri="{d63d81b7-b7c8-47d1-b005-917d90a19d3a}">
                 <a14:useLocalDpi xmlns:a14="http://schemas.microsoft.com/office/drawing/2010/main" val="0"/>
               </a:ext>
             </a:extLst>
@@ -3880,7 +3938,7 @@
                   </a:schemeClr>
                 </a:solidFill>
               </a:rPr>
-              <a:t>25 September 2024</a:t>
+              <a:t>27 September 2024</a:t>
             </a:r>
             <a:endParaRPr lang="ru-RU" sz="2000" dirty="0"/>
           </a:p>
@@ -3904,51 +3962,91 @@
         </p:nvSpPr>
         <p:spPr/>
         <p:txBody>
-          <a:bodyPr/>
+          <a:bodyPr>
+            <a:normAutofit/>
+          </a:bodyPr>
           <a:lstStyle/>
           <a:p>
             <a:r>
-              <a:rPr lang="en-US" dirty="0"/>
+              <a:rPr lang="en-US" sz="2000" dirty="0"/>
               <a:t>Username: TestName</a:t>
             </a:r>
           </a:p>
           <a:p>
             <a:r>
-              <a:rPr lang="en-US" dirty="0"/>
+              <a:rPr lang="en-US" sz="2000" dirty="0"/>
               <a:t>IsActive: Yes</a:t>
             </a:r>
           </a:p>
           <a:p>
             <a:r>
-              <a:rPr lang="en-US" dirty="0"/>
-              <a:t>Evaluation: 1,000,000.00</a:t>
-            </a:r>
-          </a:p>
-          <a:p>
-            <a:r>
-              <a:rPr lang="en-US" dirty="0"/>
-              <a:t>Items: item#1, item#2, item#3, item#4, item#5</a:t>
-            </a:r>
-          </a:p>
-          <a:p>
-            <a:r>
-              <a:rPr lang="en-US" dirty="0">
+              <a:rPr lang="en-US" sz="2000" dirty="0"/>
+              <a:t>Evaluation: 1,000,000.123</a:t>
+            </a:r>
+          </a:p>
+          <a:p>
+            <a:r>
+              <a:rPr lang="en-US" sz="2000" dirty="0"/>
+              <a:t>Link: </a:t>
+            </a:r>
+            <a:r>
+              <a:rPr lang="en-US" sz="2000" dirty="0">
                 <a:hlinkClick r:id="rId3"/>
               </a:rPr>
               <a:t>TestLink</a:t>
             </a:r>
-            <a:endParaRPr lang="en-US" dirty="0"/>
-          </a:p>
-          <a:p>
-            <a:r>
-              <a:rPr lang="en-US" dirty="0" err="1"/>
+            <a:endParaRPr lang="en-US" sz="2000" dirty="0"/>
+          </a:p>
+          <a:p>
+            <a:r>
+              <a:rPr lang="en-US" sz="2000" dirty="0" err="1"/>
               <a:t>HtmlAsText</a:t>
             </a:r>
             <a:r>
-              <a:rPr lang="en-US" dirty="0"/>
+              <a:rPr lang="en-US" sz="2000" dirty="0"/>
               <a:t>: text text text</a:t>
             </a:r>
-            <a:endParaRPr lang="ru-RU" dirty="0"/>
+          </a:p>
+          <a:p>
+            <a:r>
+              <a:rPr lang="en-US" sz="2000" dirty="0" err="1"/>
+              <a:t>ArrayItem</a:t>
+            </a:r>
+            <a:r>
+              <a:rPr lang="en-US" sz="2000" dirty="0"/>
+              <a:t>: item#2</a:t>
+            </a:r>
+          </a:p>
+          <a:p>
+            <a:r>
+              <a:rPr lang="en-US" sz="2000" dirty="0" err="1"/>
+              <a:t>DictionaryValue</a:t>
+            </a:r>
+            <a:r>
+              <a:rPr lang="en-US" sz="2000" dirty="0"/>
+              <a:t>: 100</a:t>
+            </a:r>
+          </a:p>
+          <a:p>
+            <a:r>
+              <a:rPr lang="en-US" sz="2000" dirty="0"/>
+              <a:t>Items: </a:t>
+            </a:r>
+          </a:p>
+          <a:p>
+            <a:pPr marL="914400" lvl="1" indent="-457200">
+              <a:buFont typeface="+mj-lt"/>
+              <a:buAutoNum type="arabicPeriod"/>
+            </a:pPr>
+            <a:r>
+              <a:rPr lang="en-US" sz="2000" dirty="0"/>
+              <a:t>item#1, 
+item#2, 
+item#3</a:t>
+            </a:r>
+          </a:p>
+          <a:p>
+            <a:endParaRPr lang="ru-RU" sz="2000" dirty="0"/>
           </a:p>
         </p:txBody>
       </p:sp>
@@ -4169,7 +4267,7 @@
                     <a:p>
                       <a:r>
                         <a:rPr lang="en-US" dirty="0"/>
-                        <a:t>1991-03-14</a:t>
+                        <a:t>1985-04-21</a:t>
                       </a:r>
                       <a:endParaRPr lang="ru-RU" dirty="0"/>
                     </a:p>
@@ -4218,7 +4316,7 @@
                     <a:p>
                       <a:r>
                         <a:rPr lang="en-US" dirty="0"/>
-                        <a:t>1993-04-08</a:t>
+                        <a:t>1997-06-04</a:t>
                       </a:r>
                       <a:endParaRPr lang="ru-RU" dirty="0"/>
                     </a:p>
@@ -4267,7 +4365,7 @@
                     <a:p>
                       <a:r>
                         <a:rPr lang="en-US" dirty="0"/>
-                        <a:t>1988-03-19</a:t>
+                        <a:t>1990-03-09</a:t>
                       </a:r>
                       <a:endParaRPr lang="ru-RU" dirty="0"/>
                     </a:p>
@@ -4316,7 +4414,7 @@
                     <a:p>
                       <a:r>
                         <a:rPr lang="en-US" dirty="0"/>
-                        <a:t>1994-10-27</a:t>
+                        <a:t>1986-07-25</a:t>
                       </a:r>
                       <a:endParaRPr lang="ru-RU" dirty="0"/>
                     </a:p>
@@ -4365,301 +4463,7 @@
                     <a:p>
                       <a:r>
                         <a:rPr lang="en-US" dirty="0"/>
-                        <a:t>1982-10-23</a:t>
-                      </a:r>
-                      <a:endParaRPr lang="ru-RU" dirty="0"/>
-                    </a:p>
-                  </a:txBody>
-                  <a:tcPr/>
-                </a:tc>
-                <a:extLst>
-                  <a:ext uri="{0D108BD9-81ED-4DB2-BD59-A6C34878D82A}">
-                    <a16:rowId xmlns:a16="http://schemas.microsoft.com/office/drawing/2014/main" val="109181570"/>
-                  </a:ext>
-                </a:extLst>
-              </a:tr>
-              <a:tr h="370840">
-                <a:tc>
-                  <a:txBody>
-                    <a:bodyPr/>
-                    <a:lstStyle/>
-                    <a:p>
-                      <a:r>
-                        <a:rPr lang="en-US"/>
-                        <a:t>Employee #6</a:t>
-                      </a:r>
-                      <a:endParaRPr lang="ru-RU" dirty="0"/>
-                    </a:p>
-                  </a:txBody>
-                  <a:tcPr/>
-                </a:tc>
-                <a:tc>
-                  <a:txBody>
-                    <a:bodyPr/>
-                    <a:lstStyle/>
-                    <a:p>
-                      <a:r>
-                        <a:rPr lang="en-US" dirty="0"/>
-                        <a:t>emp6@company1.test</a:t>
-                      </a:r>
-                      <a:endParaRPr lang="ru-RU" dirty="0"/>
-                    </a:p>
-                  </a:txBody>
-                  <a:tcPr/>
-                </a:tc>
-                <a:tc>
-                  <a:txBody>
-                    <a:bodyPr/>
-                    <a:lstStyle/>
-                    <a:p>
-                      <a:r>
-                        <a:rPr lang="en-US" dirty="0"/>
-                        <a:t>1981-04-17</a:t>
-                      </a:r>
-                      <a:endParaRPr lang="ru-RU" dirty="0"/>
-                    </a:p>
-                  </a:txBody>
-                  <a:tcPr/>
-                </a:tc>
-                <a:extLst>
-                  <a:ext uri="{0D108BD9-81ED-4DB2-BD59-A6C34878D82A}">
-                    <a16:rowId xmlns:a16="http://schemas.microsoft.com/office/drawing/2014/main" val="109181570"/>
-                  </a:ext>
-                </a:extLst>
-              </a:tr>
-              <a:tr h="370840">
-                <a:tc>
-                  <a:txBody>
-                    <a:bodyPr/>
-                    <a:lstStyle/>
-                    <a:p>
-                      <a:r>
-                        <a:rPr lang="en-US"/>
-                        <a:t>Employee #7</a:t>
-                      </a:r>
-                      <a:endParaRPr lang="ru-RU" dirty="0"/>
-                    </a:p>
-                  </a:txBody>
-                  <a:tcPr/>
-                </a:tc>
-                <a:tc>
-                  <a:txBody>
-                    <a:bodyPr/>
-                    <a:lstStyle/>
-                    <a:p>
-                      <a:r>
-                        <a:rPr lang="en-US" dirty="0"/>
-                        <a:t>emp7@company1.test</a:t>
-                      </a:r>
-                      <a:endParaRPr lang="ru-RU" dirty="0"/>
-                    </a:p>
-                  </a:txBody>
-                  <a:tcPr/>
-                </a:tc>
-                <a:tc>
-                  <a:txBody>
-                    <a:bodyPr/>
-                    <a:lstStyle/>
-                    <a:p>
-                      <a:r>
-                        <a:rPr lang="en-US" dirty="0"/>
-                        <a:t>1990-02-24</a:t>
-                      </a:r>
-                      <a:endParaRPr lang="ru-RU" dirty="0"/>
-                    </a:p>
-                  </a:txBody>
-                  <a:tcPr/>
-                </a:tc>
-                <a:extLst>
-                  <a:ext uri="{0D108BD9-81ED-4DB2-BD59-A6C34878D82A}">
-                    <a16:rowId xmlns:a16="http://schemas.microsoft.com/office/drawing/2014/main" val="109181570"/>
-                  </a:ext>
-                </a:extLst>
-              </a:tr>
-              <a:tr h="370840">
-                <a:tc>
-                  <a:txBody>
-                    <a:bodyPr/>
-                    <a:lstStyle/>
-                    <a:p>
-                      <a:r>
-                        <a:rPr lang="en-US"/>
-                        <a:t>Employee #8</a:t>
-                      </a:r>
-                      <a:endParaRPr lang="ru-RU" dirty="0"/>
-                    </a:p>
-                  </a:txBody>
-                  <a:tcPr/>
-                </a:tc>
-                <a:tc>
-                  <a:txBody>
-                    <a:bodyPr/>
-                    <a:lstStyle/>
-                    <a:p>
-                      <a:r>
-                        <a:rPr lang="en-US" dirty="0"/>
-                        <a:t>emp8@company1.test</a:t>
-                      </a:r>
-                      <a:endParaRPr lang="ru-RU" dirty="0"/>
-                    </a:p>
-                  </a:txBody>
-                  <a:tcPr/>
-                </a:tc>
-                <a:tc>
-                  <a:txBody>
-                    <a:bodyPr/>
-                    <a:lstStyle/>
-                    <a:p>
-                      <a:r>
-                        <a:rPr lang="en-US" dirty="0"/>
-                        <a:t>1985-05-28</a:t>
-                      </a:r>
-                      <a:endParaRPr lang="ru-RU" dirty="0"/>
-                    </a:p>
-                  </a:txBody>
-                  <a:tcPr/>
-                </a:tc>
-                <a:extLst>
-                  <a:ext uri="{0D108BD9-81ED-4DB2-BD59-A6C34878D82A}">
-                    <a16:rowId xmlns:a16="http://schemas.microsoft.com/office/drawing/2014/main" val="109181570"/>
-                  </a:ext>
-                </a:extLst>
-              </a:tr>
-              <a:tr h="370840">
-                <a:tc>
-                  <a:txBody>
-                    <a:bodyPr/>
-                    <a:lstStyle/>
-                    <a:p>
-                      <a:r>
-                        <a:rPr lang="en-US"/>
-                        <a:t>Employee #9</a:t>
-                      </a:r>
-                      <a:endParaRPr lang="ru-RU" dirty="0"/>
-                    </a:p>
-                  </a:txBody>
-                  <a:tcPr/>
-                </a:tc>
-                <a:tc>
-                  <a:txBody>
-                    <a:bodyPr/>
-                    <a:lstStyle/>
-                    <a:p>
-                      <a:r>
-                        <a:rPr lang="en-US" dirty="0"/>
-                        <a:t>emp9@company1.test</a:t>
-                      </a:r>
-                      <a:endParaRPr lang="ru-RU" dirty="0"/>
-                    </a:p>
-                  </a:txBody>
-                  <a:tcPr/>
-                </a:tc>
-                <a:tc>
-                  <a:txBody>
-                    <a:bodyPr/>
-                    <a:lstStyle/>
-                    <a:p>
-                      <a:r>
-                        <a:rPr lang="en-US" dirty="0"/>
-                        <a:t>1986-07-26</a:t>
-                      </a:r>
-                      <a:endParaRPr lang="ru-RU" dirty="0"/>
-                    </a:p>
-                  </a:txBody>
-                  <a:tcPr/>
-                </a:tc>
-                <a:extLst>
-                  <a:ext uri="{0D108BD9-81ED-4DB2-BD59-A6C34878D82A}">
-                    <a16:rowId xmlns:a16="http://schemas.microsoft.com/office/drawing/2014/main" val="109181570"/>
-                  </a:ext>
-                </a:extLst>
-              </a:tr>
-              <a:tr h="370840">
-                <a:tc>
-                  <a:txBody>
-                    <a:bodyPr/>
-                    <a:lstStyle/>
-                    <a:p>
-                      <a:r>
-                        <a:rPr lang="en-US"/>
-                        <a:t>Employee #10</a:t>
-                      </a:r>
-                      <a:endParaRPr lang="ru-RU" dirty="0"/>
-                    </a:p>
-                  </a:txBody>
-                  <a:tcPr/>
-                </a:tc>
-                <a:tc>
-                  <a:txBody>
-                    <a:bodyPr/>
-                    <a:lstStyle/>
-                    <a:p>
-                      <a:r>
-                        <a:rPr lang="en-US" dirty="0"/>
-                        <a:t>emp10@company1.test</a:t>
-                      </a:r>
-                      <a:endParaRPr lang="ru-RU" dirty="0"/>
-                    </a:p>
-                  </a:txBody>
-                  <a:tcPr/>
-                </a:tc>
-                <a:tc>
-                  <a:txBody>
-                    <a:bodyPr/>
-                    <a:lstStyle/>
-                    <a:p>
-                      <a:r>
-                        <a:rPr lang="en-US" dirty="0"/>
-                        <a:t>1995-08-30</a:t>
-                      </a:r>
-                      <a:endParaRPr lang="ru-RU" dirty="0"/>
-                    </a:p>
-                  </a:txBody>
-                  <a:tcPr/>
-                </a:tc>
-                <a:extLst>
-                  <a:ext uri="{0D108BD9-81ED-4DB2-BD59-A6C34878D82A}">
-                    <a16:rowId xmlns:a16="http://schemas.microsoft.com/office/drawing/2014/main" val="109181570"/>
-                  </a:ext>
-                </a:extLst>
-              </a:tr>
-              <a:tr h="370840">
-                <a:tc>
-                  <a:txBody>
-                    <a:bodyPr/>
-                    <a:lstStyle/>
-                    <a:p>
-                      <a:r>
-                        <a:rPr lang="en-US"/>
-                        <a:t>Employee #11</a:t>
-                      </a:r>
-                      <a:endParaRPr lang="ru-RU" dirty="0"/>
-                    </a:p>
-                  </a:txBody>
-                  <a:tcPr/>
-                </a:tc>
-                <a:tc>
-                  <a:txBody>
-                    <a:bodyPr/>
-                    <a:lstStyle/>
-                    <a:p>
-                      <a:r>
-                        <a:rPr lang="en-US" dirty="0"/>
-                        <a:t>emp11@company1.test</a:t>
-                      </a:r>
-                      <a:endParaRPr lang="ru-RU" dirty="0"/>
-                    </a:p>
-                  </a:txBody>
-                  <a:tcPr/>
-                </a:tc>
-                <a:tc>
-                  <a:txBody>
-                    <a:bodyPr/>
-                    <a:lstStyle/>
-                    <a:p>
-                      <a:r>
-                        <a:rPr lang="en-US" dirty="0"/>
-                        <a:t>1986-10-01</a:t>
+                        <a:t>1982-01-23</a:t>
                       </a:r>
                       <a:endParaRPr lang="ru-RU" dirty="0"/>
                     </a:p>
@@ -4678,16 +4482,16 @@
       </p:graphicFrame>
       <p:pic>
         <p:nvPicPr>
-          <p:cNvPr id="3" name="Image Shape 347804fa-aa00-4971-ba82-61cb117bfd5e"/>
+          <p:cNvPr id="3" name="Image Shape cd97e559-b1b9-43a2-a4ec-4f6ac34278f8"/>
           <p:cNvPicPr>
             <a:picLocks noChangeAspect="1"/>
           </p:cNvPicPr>
           <p:nvPr/>
         </p:nvPicPr>
         <p:blipFill>
-          <a:blip r:embed="R0dd0e7de30814922">
-            <a:extLst>
-              <a:ext uri="{347804fa-aa00-4971-ba82-61cb117bfd5e}">
+          <a:blip r:embed="R0bcd0178dcf24c24">
+            <a:extLst>
+              <a:ext uri="{cd97e559-b1b9-43a2-a4ec-4f6ac34278f8}">
                 <a14:useLocalDpi xmlns:a14="http://schemas.microsoft.com/office/drawing/2010/main" val="0"/>
               </a:ext>
             </a:extLst>
@@ -4921,7 +4725,7 @@
                     <a:p>
                       <a:r>
                         <a:rPr lang="en-US" dirty="0"/>
-                        <a:t>1995-07-05</a:t>
+                        <a:t>1989-02-28</a:t>
                       </a:r>
                       <a:endParaRPr lang="ru-RU" dirty="0"/>
                     </a:p>
@@ -4970,7 +4774,7 @@
                     <a:p>
                       <a:r>
                         <a:rPr lang="en-US" dirty="0"/>
-                        <a:t>1989-06-18</a:t>
+                        <a:t>1989-02-12</a:t>
                       </a:r>
                       <a:endParaRPr lang="ru-RU" dirty="0"/>
                     </a:p>
@@ -5019,7 +4823,7 @@
                     <a:p>
                       <a:r>
                         <a:rPr lang="en-US" dirty="0"/>
-                        <a:t>1992-03-23</a:t>
+                        <a:t>1991-07-20</a:t>
                       </a:r>
                       <a:endParaRPr lang="ru-RU" dirty="0"/>
                     </a:p>
@@ -5068,7 +4872,7 @@
                     <a:p>
                       <a:r>
                         <a:rPr lang="en-US" dirty="0"/>
-                        <a:t>1981-03-25</a:t>
+                        <a:t>1990-04-19</a:t>
                       </a:r>
                       <a:endParaRPr lang="ru-RU" dirty="0"/>
                     </a:p>
@@ -5117,7 +4921,7 @@
                     <a:p>
                       <a:r>
                         <a:rPr lang="en-US" dirty="0"/>
-                        <a:t>1983-11-15</a:t>
+                        <a:t>1984-03-26</a:t>
                       </a:r>
                       <a:endParaRPr lang="ru-RU" dirty="0"/>
                     </a:p>
@@ -5166,7 +4970,203 @@
                     <a:p>
                       <a:r>
                         <a:rPr lang="en-US" dirty="0"/>
-                        <a:t>1982-08-29</a:t>
+                        <a:t>1987-05-03</a:t>
+                      </a:r>
+                      <a:endParaRPr lang="ru-RU" dirty="0"/>
+                    </a:p>
+                  </a:txBody>
+                  <a:tcPr/>
+                </a:tc>
+                <a:extLst>
+                  <a:ext uri="{0D108BD9-81ED-4DB2-BD59-A6C34878D82A}">
+                    <a16:rowId xmlns:a16="http://schemas.microsoft.com/office/drawing/2014/main" val="109181570"/>
+                  </a:ext>
+                </a:extLst>
+              </a:tr>
+              <a:tr h="370840">
+                <a:tc>
+                  <a:txBody>
+                    <a:bodyPr/>
+                    <a:lstStyle/>
+                    <a:p>
+                      <a:r>
+                        <a:rPr lang="en-US"/>
+                        <a:t>Employee #7</a:t>
+                      </a:r>
+                      <a:endParaRPr lang="ru-RU" dirty="0"/>
+                    </a:p>
+                  </a:txBody>
+                  <a:tcPr/>
+                </a:tc>
+                <a:tc>
+                  <a:txBody>
+                    <a:bodyPr/>
+                    <a:lstStyle/>
+                    <a:p>
+                      <a:r>
+                        <a:rPr lang="en-US" dirty="0"/>
+                        <a:t>emp7@company2.test</a:t>
+                      </a:r>
+                      <a:endParaRPr lang="ru-RU" dirty="0"/>
+                    </a:p>
+                  </a:txBody>
+                  <a:tcPr/>
+                </a:tc>
+                <a:tc>
+                  <a:txBody>
+                    <a:bodyPr/>
+                    <a:lstStyle/>
+                    <a:p>
+                      <a:r>
+                        <a:rPr lang="en-US" dirty="0"/>
+                        <a:t>1982-09-25</a:t>
+                      </a:r>
+                      <a:endParaRPr lang="ru-RU" dirty="0"/>
+                    </a:p>
+                  </a:txBody>
+                  <a:tcPr/>
+                </a:tc>
+                <a:extLst>
+                  <a:ext uri="{0D108BD9-81ED-4DB2-BD59-A6C34878D82A}">
+                    <a16:rowId xmlns:a16="http://schemas.microsoft.com/office/drawing/2014/main" val="109181570"/>
+                  </a:ext>
+                </a:extLst>
+              </a:tr>
+              <a:tr h="370840">
+                <a:tc>
+                  <a:txBody>
+                    <a:bodyPr/>
+                    <a:lstStyle/>
+                    <a:p>
+                      <a:r>
+                        <a:rPr lang="en-US"/>
+                        <a:t>Employee #8</a:t>
+                      </a:r>
+                      <a:endParaRPr lang="ru-RU" dirty="0"/>
+                    </a:p>
+                  </a:txBody>
+                  <a:tcPr/>
+                </a:tc>
+                <a:tc>
+                  <a:txBody>
+                    <a:bodyPr/>
+                    <a:lstStyle/>
+                    <a:p>
+                      <a:r>
+                        <a:rPr lang="en-US" dirty="0"/>
+                        <a:t>emp8@company2.test</a:t>
+                      </a:r>
+                      <a:endParaRPr lang="ru-RU" dirty="0"/>
+                    </a:p>
+                  </a:txBody>
+                  <a:tcPr/>
+                </a:tc>
+                <a:tc>
+                  <a:txBody>
+                    <a:bodyPr/>
+                    <a:lstStyle/>
+                    <a:p>
+                      <a:r>
+                        <a:rPr lang="en-US" dirty="0"/>
+                        <a:t>1981-03-25</a:t>
+                      </a:r>
+                      <a:endParaRPr lang="ru-RU" dirty="0"/>
+                    </a:p>
+                  </a:txBody>
+                  <a:tcPr/>
+                </a:tc>
+                <a:extLst>
+                  <a:ext uri="{0D108BD9-81ED-4DB2-BD59-A6C34878D82A}">
+                    <a16:rowId xmlns:a16="http://schemas.microsoft.com/office/drawing/2014/main" val="109181570"/>
+                  </a:ext>
+                </a:extLst>
+              </a:tr>
+              <a:tr h="370840">
+                <a:tc>
+                  <a:txBody>
+                    <a:bodyPr/>
+                    <a:lstStyle/>
+                    <a:p>
+                      <a:r>
+                        <a:rPr lang="en-US"/>
+                        <a:t>Employee #9</a:t>
+                      </a:r>
+                      <a:endParaRPr lang="ru-RU" dirty="0"/>
+                    </a:p>
+                  </a:txBody>
+                  <a:tcPr/>
+                </a:tc>
+                <a:tc>
+                  <a:txBody>
+                    <a:bodyPr/>
+                    <a:lstStyle/>
+                    <a:p>
+                      <a:r>
+                        <a:rPr lang="en-US" dirty="0"/>
+                        <a:t>emp9@company2.test</a:t>
+                      </a:r>
+                      <a:endParaRPr lang="ru-RU" dirty="0"/>
+                    </a:p>
+                  </a:txBody>
+                  <a:tcPr/>
+                </a:tc>
+                <a:tc>
+                  <a:txBody>
+                    <a:bodyPr/>
+                    <a:lstStyle/>
+                    <a:p>
+                      <a:r>
+                        <a:rPr lang="en-US" dirty="0"/>
+                        <a:t>1990-04-13</a:t>
+                      </a:r>
+                      <a:endParaRPr lang="ru-RU" dirty="0"/>
+                    </a:p>
+                  </a:txBody>
+                  <a:tcPr/>
+                </a:tc>
+                <a:extLst>
+                  <a:ext uri="{0D108BD9-81ED-4DB2-BD59-A6C34878D82A}">
+                    <a16:rowId xmlns:a16="http://schemas.microsoft.com/office/drawing/2014/main" val="109181570"/>
+                  </a:ext>
+                </a:extLst>
+              </a:tr>
+              <a:tr h="370840">
+                <a:tc>
+                  <a:txBody>
+                    <a:bodyPr/>
+                    <a:lstStyle/>
+                    <a:p>
+                      <a:r>
+                        <a:rPr lang="en-US"/>
+                        <a:t>Employee #10</a:t>
+                      </a:r>
+                      <a:endParaRPr lang="ru-RU" dirty="0"/>
+                    </a:p>
+                  </a:txBody>
+                  <a:tcPr/>
+                </a:tc>
+                <a:tc>
+                  <a:txBody>
+                    <a:bodyPr/>
+                    <a:lstStyle/>
+                    <a:p>
+                      <a:r>
+                        <a:rPr lang="en-US" dirty="0"/>
+                        <a:t>emp10@company2.test</a:t>
+                      </a:r>
+                      <a:endParaRPr lang="ru-RU" dirty="0"/>
+                    </a:p>
+                  </a:txBody>
+                  <a:tcPr/>
+                </a:tc>
+                <a:tc>
+                  <a:txBody>
+                    <a:bodyPr/>
+                    <a:lstStyle/>
+                    <a:p>
+                      <a:r>
+                        <a:rPr lang="en-US" dirty="0"/>
+                        <a:t>1995-02-12</a:t>
                       </a:r>
                       <a:endParaRPr lang="ru-RU" dirty="0"/>
                     </a:p>
@@ -5185,16 +5185,16 @@
       </p:graphicFrame>
       <p:pic>
         <p:nvPicPr>
-          <p:cNvPr id="3" name="Image Shape 7c23bc7e-2909-486d-ae8c-2a40571a6053"/>
+          <p:cNvPr id="3" name="Image Shape a9cefc46-99c4-4f4b-9885-b09b097c5e62"/>
           <p:cNvPicPr>
             <a:picLocks noChangeAspect="1"/>
           </p:cNvPicPr>
           <p:nvPr/>
         </p:nvPicPr>
         <p:blipFill>
-          <a:blip r:embed="R779d0bbc32c542cb">
-            <a:extLst>
-              <a:ext uri="{7c23bc7e-2909-486d-ae8c-2a40571a6053}">
+          <a:blip r:embed="Rebc742426e514318">
+            <a:extLst>
+              <a:ext uri="{a9cefc46-99c4-4f4b-9885-b09b097c5e62}">
                 <a14:useLocalDpi xmlns:a14="http://schemas.microsoft.com/office/drawing/2010/main" val="0"/>
               </a:ext>
             </a:extLst>
@@ -5428,7 +5428,7 @@
                     <a:p>
                       <a:r>
                         <a:rPr lang="en-US" dirty="0"/>
-                        <a:t>1993-01-22</a:t>
+                        <a:t>1992-05-17</a:t>
                       </a:r>
                       <a:endParaRPr lang="ru-RU" dirty="0"/>
                     </a:p>
@@ -5477,7 +5477,7 @@
                     <a:p>
                       <a:r>
                         <a:rPr lang="en-US" dirty="0"/>
-                        <a:t>1993-06-17</a:t>
+                        <a:t>1990-07-21</a:t>
                       </a:r>
                       <a:endParaRPr lang="ru-RU" dirty="0"/>
                     </a:p>
@@ -5526,7 +5526,7 @@
                     <a:p>
                       <a:r>
                         <a:rPr lang="en-US" dirty="0"/>
-                        <a:t>1984-09-06</a:t>
+                        <a:t>1996-02-09</a:t>
                       </a:r>
                       <a:endParaRPr lang="ru-RU" dirty="0"/>
                     </a:p>
@@ -5575,7 +5575,252 @@
                     <a:p>
                       <a:r>
                         <a:rPr lang="en-US" dirty="0"/>
-                        <a:t>1988-07-02</a:t>
+                        <a:t>1997-06-24</a:t>
+                      </a:r>
+                      <a:endParaRPr lang="ru-RU" dirty="0"/>
+                    </a:p>
+                  </a:txBody>
+                  <a:tcPr/>
+                </a:tc>
+                <a:extLst>
+                  <a:ext uri="{0D108BD9-81ED-4DB2-BD59-A6C34878D82A}">
+                    <a16:rowId xmlns:a16="http://schemas.microsoft.com/office/drawing/2014/main" val="109181570"/>
+                  </a:ext>
+                </a:extLst>
+              </a:tr>
+              <a:tr h="370840">
+                <a:tc>
+                  <a:txBody>
+                    <a:bodyPr/>
+                    <a:lstStyle/>
+                    <a:p>
+                      <a:r>
+                        <a:rPr lang="en-US"/>
+                        <a:t>Employee #5</a:t>
+                      </a:r>
+                      <a:endParaRPr lang="ru-RU" dirty="0"/>
+                    </a:p>
+                  </a:txBody>
+                  <a:tcPr/>
+                </a:tc>
+                <a:tc>
+                  <a:txBody>
+                    <a:bodyPr/>
+                    <a:lstStyle/>
+                    <a:p>
+                      <a:r>
+                        <a:rPr lang="en-US" dirty="0"/>
+                        <a:t>emp5@company3.test</a:t>
+                      </a:r>
+                      <a:endParaRPr lang="ru-RU" dirty="0"/>
+                    </a:p>
+                  </a:txBody>
+                  <a:tcPr/>
+                </a:tc>
+                <a:tc>
+                  <a:txBody>
+                    <a:bodyPr/>
+                    <a:lstStyle/>
+                    <a:p>
+                      <a:r>
+                        <a:rPr lang="en-US" dirty="0"/>
+                        <a:t>1988-06-04</a:t>
+                      </a:r>
+                      <a:endParaRPr lang="ru-RU" dirty="0"/>
+                    </a:p>
+                  </a:txBody>
+                  <a:tcPr/>
+                </a:tc>
+                <a:extLst>
+                  <a:ext uri="{0D108BD9-81ED-4DB2-BD59-A6C34878D82A}">
+                    <a16:rowId xmlns:a16="http://schemas.microsoft.com/office/drawing/2014/main" val="109181570"/>
+                  </a:ext>
+                </a:extLst>
+              </a:tr>
+              <a:tr h="370840">
+                <a:tc>
+                  <a:txBody>
+                    <a:bodyPr/>
+                    <a:lstStyle/>
+                    <a:p>
+                      <a:r>
+                        <a:rPr lang="en-US"/>
+                        <a:t>Employee #6</a:t>
+                      </a:r>
+                      <a:endParaRPr lang="ru-RU" dirty="0"/>
+                    </a:p>
+                  </a:txBody>
+                  <a:tcPr/>
+                </a:tc>
+                <a:tc>
+                  <a:txBody>
+                    <a:bodyPr/>
+                    <a:lstStyle/>
+                    <a:p>
+                      <a:r>
+                        <a:rPr lang="en-US" dirty="0"/>
+                        <a:t>emp6@company3.test</a:t>
+                      </a:r>
+                      <a:endParaRPr lang="ru-RU" dirty="0"/>
+                    </a:p>
+                  </a:txBody>
+                  <a:tcPr/>
+                </a:tc>
+                <a:tc>
+                  <a:txBody>
+                    <a:bodyPr/>
+                    <a:lstStyle/>
+                    <a:p>
+                      <a:r>
+                        <a:rPr lang="en-US" dirty="0"/>
+                        <a:t>1985-11-06</a:t>
+                      </a:r>
+                      <a:endParaRPr lang="ru-RU" dirty="0"/>
+                    </a:p>
+                  </a:txBody>
+                  <a:tcPr/>
+                </a:tc>
+                <a:extLst>
+                  <a:ext uri="{0D108BD9-81ED-4DB2-BD59-A6C34878D82A}">
+                    <a16:rowId xmlns:a16="http://schemas.microsoft.com/office/drawing/2014/main" val="109181570"/>
+                  </a:ext>
+                </a:extLst>
+              </a:tr>
+              <a:tr h="370840">
+                <a:tc>
+                  <a:txBody>
+                    <a:bodyPr/>
+                    <a:lstStyle/>
+                    <a:p>
+                      <a:r>
+                        <a:rPr lang="en-US"/>
+                        <a:t>Employee #7</a:t>
+                      </a:r>
+                      <a:endParaRPr lang="ru-RU" dirty="0"/>
+                    </a:p>
+                  </a:txBody>
+                  <a:tcPr/>
+                </a:tc>
+                <a:tc>
+                  <a:txBody>
+                    <a:bodyPr/>
+                    <a:lstStyle/>
+                    <a:p>
+                      <a:r>
+                        <a:rPr lang="en-US" dirty="0"/>
+                        <a:t>emp7@company3.test</a:t>
+                      </a:r>
+                      <a:endParaRPr lang="ru-RU" dirty="0"/>
+                    </a:p>
+                  </a:txBody>
+                  <a:tcPr/>
+                </a:tc>
+                <a:tc>
+                  <a:txBody>
+                    <a:bodyPr/>
+                    <a:lstStyle/>
+                    <a:p>
+                      <a:r>
+                        <a:rPr lang="en-US" dirty="0"/>
+                        <a:t>1998-10-07</a:t>
+                      </a:r>
+                      <a:endParaRPr lang="ru-RU" dirty="0"/>
+                    </a:p>
+                  </a:txBody>
+                  <a:tcPr/>
+                </a:tc>
+                <a:extLst>
+                  <a:ext uri="{0D108BD9-81ED-4DB2-BD59-A6C34878D82A}">
+                    <a16:rowId xmlns:a16="http://schemas.microsoft.com/office/drawing/2014/main" val="109181570"/>
+                  </a:ext>
+                </a:extLst>
+              </a:tr>
+              <a:tr h="370840">
+                <a:tc>
+                  <a:txBody>
+                    <a:bodyPr/>
+                    <a:lstStyle/>
+                    <a:p>
+                      <a:r>
+                        <a:rPr lang="en-US"/>
+                        <a:t>Employee #8</a:t>
+                      </a:r>
+                      <a:endParaRPr lang="ru-RU" dirty="0"/>
+                    </a:p>
+                  </a:txBody>
+                  <a:tcPr/>
+                </a:tc>
+                <a:tc>
+                  <a:txBody>
+                    <a:bodyPr/>
+                    <a:lstStyle/>
+                    <a:p>
+                      <a:r>
+                        <a:rPr lang="en-US" dirty="0"/>
+                        <a:t>emp8@company3.test</a:t>
+                      </a:r>
+                      <a:endParaRPr lang="ru-RU" dirty="0"/>
+                    </a:p>
+                  </a:txBody>
+                  <a:tcPr/>
+                </a:tc>
+                <a:tc>
+                  <a:txBody>
+                    <a:bodyPr/>
+                    <a:lstStyle/>
+                    <a:p>
+                      <a:r>
+                        <a:rPr lang="en-US" dirty="0"/>
+                        <a:t>1983-08-05</a:t>
+                      </a:r>
+                      <a:endParaRPr lang="ru-RU" dirty="0"/>
+                    </a:p>
+                  </a:txBody>
+                  <a:tcPr/>
+                </a:tc>
+                <a:extLst>
+                  <a:ext uri="{0D108BD9-81ED-4DB2-BD59-A6C34878D82A}">
+                    <a16:rowId xmlns:a16="http://schemas.microsoft.com/office/drawing/2014/main" val="109181570"/>
+                  </a:ext>
+                </a:extLst>
+              </a:tr>
+              <a:tr h="370840">
+                <a:tc>
+                  <a:txBody>
+                    <a:bodyPr/>
+                    <a:lstStyle/>
+                    <a:p>
+                      <a:r>
+                        <a:rPr lang="en-US"/>
+                        <a:t>Employee #9</a:t>
+                      </a:r>
+                      <a:endParaRPr lang="ru-RU" dirty="0"/>
+                    </a:p>
+                  </a:txBody>
+                  <a:tcPr/>
+                </a:tc>
+                <a:tc>
+                  <a:txBody>
+                    <a:bodyPr/>
+                    <a:lstStyle/>
+                    <a:p>
+                      <a:r>
+                        <a:rPr lang="en-US" dirty="0"/>
+                        <a:t>emp9@company3.test</a:t>
+                      </a:r>
+                      <a:endParaRPr lang="ru-RU" dirty="0"/>
+                    </a:p>
+                  </a:txBody>
+                  <a:tcPr/>
+                </a:tc>
+                <a:tc>
+                  <a:txBody>
+                    <a:bodyPr/>
+                    <a:lstStyle/>
+                    <a:p>
+                      <a:r>
+                        <a:rPr lang="en-US" dirty="0"/>
+                        <a:t>1984-10-20</a:t>
                       </a:r>
                       <a:endParaRPr lang="ru-RU" dirty="0"/>
                     </a:p>
@@ -5594,16 +5839,16 @@
       </p:graphicFrame>
       <p:pic>
         <p:nvPicPr>
-          <p:cNvPr id="3" name="Image Shape 43c8e125-0caa-4dca-9f5d-a329e350e93d"/>
+          <p:cNvPr id="3" name="Image Shape 89d8dc7d-78ae-4c2c-b94d-a2d7f2d8d113"/>
           <p:cNvPicPr>
             <a:picLocks noChangeAspect="1"/>
           </p:cNvPicPr>
           <p:nvPr/>
         </p:nvPicPr>
         <p:blipFill>
-          <a:blip r:embed="R98aa4d1ef8034f11">
-            <a:extLst>
-              <a:ext uri="{43c8e125-0caa-4dca-9f5d-a329e350e93d}">
+          <a:blip r:embed="Rc85cfeca9f8b47e2">
+            <a:extLst>
+              <a:ext uri="{89d8dc7d-78ae-4c2c-b94d-a2d7f2d8d113}">
                 <a14:useLocalDpi xmlns:a14="http://schemas.microsoft.com/office/drawing/2010/main" val="0"/>
               </a:ext>
             </a:extLst>

--- a/Test/Presentations/update_result.pptx
+++ b/Test/Presentations/update_result.pptx
@@ -8,11 +8,11 @@
     <p:notesMasterId r:id="rId5"/>
   </p:notesMasterIdLst>
   <p:sldIdLst>
-    <p:sldId id="259" r:id="Re0269fa4a97a4e52"/>
-    <p:sldId id="260" r:id="R5d95d557a94f47fe"/>
-    <p:sldId id="261" r:id="R9abb8d42387a4bb0"/>
-    <p:sldId id="262" r:id="R97589fb439c145f7"/>
-    <p:sldId id="263" r:id="Rd0ecbefa66944095"/>
+    <p:sldId id="259" r:id="R2ac0c138b4774fba"/>
+    <p:sldId id="260" r:id="R0642ca8662ff425b"/>
+    <p:sldId id="261" r:id="Re2bacbe31b8d42f4"/>
+    <p:sldId id="262" r:id="R6fd05401eed04874"/>
+    <p:sldId id="263" r:id="Ra40d84273fb24680"/>
   </p:sldIdLst>
   <p:sldSz cx="12192000" cy="6858000"/>
   <p:notesSz cx="6858000" cy="9144000"/>
@@ -3817,16 +3817,16 @@
       </p:graphicFrame>
       <p:pic>
         <p:nvPicPr>
-          <p:cNvPr id="4" name="Image Shape a3cbb92c-6ef2-4fdd-86ee-8d4e235a6b8d"/>
+          <p:cNvPr id="4" name="Image Shape 8d82058f-ee74-425a-995d-2bd40d002bef"/>
           <p:cNvPicPr>
             <a:picLocks noChangeAspect="1"/>
           </p:cNvPicPr>
           <p:nvPr/>
         </p:nvPicPr>
         <p:blipFill>
-          <a:blip r:embed="Rdaf49819abcb4a44">
-            <a:extLst>
-              <a:ext uri="{a3cbb92c-6ef2-4fdd-86ee-8d4e235a6b8d}">
+          <a:blip r:embed="R2cd1a45a1f484cce">
+            <a:extLst>
+              <a:ext uri="{8d82058f-ee74-425a-995d-2bd40d002bef}">
                 <a14:useLocalDpi xmlns:a14="http://schemas.microsoft.com/office/drawing/2010/main" val="0"/>
               </a:ext>
             </a:extLst>
@@ -3845,16 +3845,16 @@
       </p:pic>
       <p:pic>
         <p:nvPicPr>
-          <p:cNvPr id="5" name="Image Shape d63d81b7-b7c8-47d1-b005-917d90a19d3a"/>
+          <p:cNvPr id="5" name="Image Shape 097e4dc6-9a88-49b9-bac8-af3de4c451b1"/>
           <p:cNvPicPr>
             <a:picLocks noChangeAspect="1"/>
           </p:cNvPicPr>
           <p:nvPr/>
         </p:nvPicPr>
         <p:blipFill>
-          <a:blip r:embed="R1958c521f11b4a19">
-            <a:extLst>
-              <a:ext uri="{d63d81b7-b7c8-47d1-b005-917d90a19d3a}">
+          <a:blip r:embed="R4a4abfda8ccd44b6">
+            <a:extLst>
+              <a:ext uri="{097e4dc6-9a88-49b9-bac8-af3de4c451b1}">
                 <a14:useLocalDpi xmlns:a14="http://schemas.microsoft.com/office/drawing/2010/main" val="0"/>
               </a:ext>
             </a:extLst>
@@ -3968,68 +3968,79 @@
           <a:lstStyle/>
           <a:p>
             <a:r>
-              <a:rPr lang="en-US" sz="2000" dirty="0"/>
+              <a:rPr lang="en-US" sz="1800" dirty="0"/>
               <a:t>Username: TestName</a:t>
             </a:r>
           </a:p>
           <a:p>
             <a:r>
-              <a:rPr lang="en-US" sz="2000" dirty="0"/>
+              <a:rPr lang="en-US" sz="1800" dirty="0"/>
               <a:t>IsActive: Yes</a:t>
             </a:r>
           </a:p>
           <a:p>
             <a:r>
-              <a:rPr lang="en-US" sz="2000" dirty="0"/>
+              <a:rPr lang="en-US" sz="1800" dirty="0"/>
               <a:t>Evaluation: 1,000,000.123</a:t>
             </a:r>
           </a:p>
           <a:p>
             <a:r>
-              <a:rPr lang="en-US" sz="2000" dirty="0"/>
+              <a:rPr lang="en-US" sz="1800" dirty="0"/>
               <a:t>Link: </a:t>
             </a:r>
             <a:r>
-              <a:rPr lang="en-US" sz="2000" dirty="0">
+              <a:rPr lang="en-US" sz="1800" dirty="0">
                 <a:hlinkClick r:id="rId3"/>
               </a:rPr>
               <a:t>TestLink</a:t>
             </a:r>
-            <a:endParaRPr lang="en-US" sz="2000" dirty="0"/>
-          </a:p>
-          <a:p>
-            <a:r>
-              <a:rPr lang="en-US" sz="2000" dirty="0" err="1"/>
+            <a:endParaRPr lang="en-US" sz="1800" dirty="0"/>
+          </a:p>
+          <a:p>
+            <a:r>
+              <a:rPr lang="en-US" sz="1800" dirty="0" err="1"/>
               <a:t>HtmlAsText</a:t>
             </a:r>
             <a:r>
-              <a:rPr lang="en-US" sz="2000" dirty="0"/>
+              <a:rPr lang="en-US" sz="1800" dirty="0"/>
               <a:t>: text text text</a:t>
             </a:r>
           </a:p>
           <a:p>
             <a:r>
-              <a:rPr lang="en-US" sz="2000" dirty="0" err="1"/>
+              <a:rPr lang="en-US" sz="1800" dirty="0" err="1"/>
               <a:t>ArrayItem</a:t>
             </a:r>
             <a:r>
-              <a:rPr lang="en-US" sz="2000" dirty="0"/>
+              <a:rPr lang="en-US" sz="1800" dirty="0"/>
               <a:t>: item#2</a:t>
             </a:r>
           </a:p>
           <a:p>
             <a:r>
-              <a:rPr lang="en-US" sz="2000" dirty="0" err="1"/>
+              <a:rPr lang="en-US" sz="1800" dirty="0" err="1"/>
               <a:t>DictionaryValue</a:t>
             </a:r>
             <a:r>
-              <a:rPr lang="en-US" sz="2000" dirty="0"/>
+              <a:rPr lang="en-US" sz="1800" dirty="0"/>
               <a:t>: 100</a:t>
             </a:r>
           </a:p>
           <a:p>
             <a:r>
-              <a:rPr lang="en-US" sz="2000" dirty="0"/>
+              <a:rPr lang="en-US" sz="1800" dirty="0" err="1"/>
+              <a:t>ObjectProp</a:t>
+            </a:r>
+            <a:r>
+              <a:rPr lang="en-US" sz="1800" dirty="0"/>
+              <a:t>: DeepValue</a:t>
+            </a:r>
+            <a:endParaRPr lang="en-US" sz="1800" dirty="0"/>
+          </a:p>
+          <a:p>
+            <a:r>
+              <a:rPr lang="en-US" sz="1800" dirty="0"/>
               <a:t>Items: </a:t>
             </a:r>
           </a:p>
@@ -4039,14 +4050,14 @@
               <a:buAutoNum type="arabicPeriod"/>
             </a:pPr>
             <a:r>
-              <a:rPr lang="en-US" sz="2000" dirty="0"/>
+              <a:rPr lang="en-US" sz="1800" dirty="0"/>
               <a:t>item#1, 
 item#2, 
 item#3</a:t>
             </a:r>
           </a:p>
           <a:p>
-            <a:endParaRPr lang="ru-RU" sz="2000" dirty="0"/>
+            <a:endParaRPr lang="ru-RU" sz="1800" dirty="0"/>
           </a:p>
         </p:txBody>
       </p:sp>
@@ -4267,7 +4278,7 @@
                     <a:p>
                       <a:r>
                         <a:rPr lang="en-US" dirty="0"/>
-                        <a:t>1985-04-21</a:t>
+                        <a:t>1991-11-10</a:t>
                       </a:r>
                       <a:endParaRPr lang="ru-RU" dirty="0"/>
                     </a:p>
@@ -4316,7 +4327,7 @@
                     <a:p>
                       <a:r>
                         <a:rPr lang="en-US" dirty="0"/>
-                        <a:t>1997-06-04</a:t>
+                        <a:t>1981-05-02</a:t>
                       </a:r>
                       <a:endParaRPr lang="ru-RU" dirty="0"/>
                     </a:p>
@@ -4365,7 +4376,7 @@
                     <a:p>
                       <a:r>
                         <a:rPr lang="en-US" dirty="0"/>
-                        <a:t>1990-03-09</a:t>
+                        <a:t>1991-07-26</a:t>
                       </a:r>
                       <a:endParaRPr lang="ru-RU" dirty="0"/>
                     </a:p>
@@ -4414,7 +4425,7 @@
                     <a:p>
                       <a:r>
                         <a:rPr lang="en-US" dirty="0"/>
-                        <a:t>1986-07-25</a:t>
+                        <a:t>1993-03-10</a:t>
                       </a:r>
                       <a:endParaRPr lang="ru-RU" dirty="0"/>
                     </a:p>
@@ -4463,7 +4474,301 @@
                     <a:p>
                       <a:r>
                         <a:rPr lang="en-US" dirty="0"/>
-                        <a:t>1982-01-23</a:t>
+                        <a:t>1998-02-14</a:t>
+                      </a:r>
+                      <a:endParaRPr lang="ru-RU" dirty="0"/>
+                    </a:p>
+                  </a:txBody>
+                  <a:tcPr/>
+                </a:tc>
+                <a:extLst>
+                  <a:ext uri="{0D108BD9-81ED-4DB2-BD59-A6C34878D82A}">
+                    <a16:rowId xmlns:a16="http://schemas.microsoft.com/office/drawing/2014/main" val="109181570"/>
+                  </a:ext>
+                </a:extLst>
+              </a:tr>
+              <a:tr h="370840">
+                <a:tc>
+                  <a:txBody>
+                    <a:bodyPr/>
+                    <a:lstStyle/>
+                    <a:p>
+                      <a:r>
+                        <a:rPr lang="en-US"/>
+                        <a:t>Employee #6</a:t>
+                      </a:r>
+                      <a:endParaRPr lang="ru-RU" dirty="0"/>
+                    </a:p>
+                  </a:txBody>
+                  <a:tcPr/>
+                </a:tc>
+                <a:tc>
+                  <a:txBody>
+                    <a:bodyPr/>
+                    <a:lstStyle/>
+                    <a:p>
+                      <a:r>
+                        <a:rPr lang="en-US" dirty="0"/>
+                        <a:t>emp6@company1.test</a:t>
+                      </a:r>
+                      <a:endParaRPr lang="ru-RU" dirty="0"/>
+                    </a:p>
+                  </a:txBody>
+                  <a:tcPr/>
+                </a:tc>
+                <a:tc>
+                  <a:txBody>
+                    <a:bodyPr/>
+                    <a:lstStyle/>
+                    <a:p>
+                      <a:r>
+                        <a:rPr lang="en-US" dirty="0"/>
+                        <a:t>1981-05-19</a:t>
+                      </a:r>
+                      <a:endParaRPr lang="ru-RU" dirty="0"/>
+                    </a:p>
+                  </a:txBody>
+                  <a:tcPr/>
+                </a:tc>
+                <a:extLst>
+                  <a:ext uri="{0D108BD9-81ED-4DB2-BD59-A6C34878D82A}">
+                    <a16:rowId xmlns:a16="http://schemas.microsoft.com/office/drawing/2014/main" val="109181570"/>
+                  </a:ext>
+                </a:extLst>
+              </a:tr>
+              <a:tr h="370840">
+                <a:tc>
+                  <a:txBody>
+                    <a:bodyPr/>
+                    <a:lstStyle/>
+                    <a:p>
+                      <a:r>
+                        <a:rPr lang="en-US"/>
+                        <a:t>Employee #7</a:t>
+                      </a:r>
+                      <a:endParaRPr lang="ru-RU" dirty="0"/>
+                    </a:p>
+                  </a:txBody>
+                  <a:tcPr/>
+                </a:tc>
+                <a:tc>
+                  <a:txBody>
+                    <a:bodyPr/>
+                    <a:lstStyle/>
+                    <a:p>
+                      <a:r>
+                        <a:rPr lang="en-US" dirty="0"/>
+                        <a:t>emp7@company1.test</a:t>
+                      </a:r>
+                      <a:endParaRPr lang="ru-RU" dirty="0"/>
+                    </a:p>
+                  </a:txBody>
+                  <a:tcPr/>
+                </a:tc>
+                <a:tc>
+                  <a:txBody>
+                    <a:bodyPr/>
+                    <a:lstStyle/>
+                    <a:p>
+                      <a:r>
+                        <a:rPr lang="en-US" dirty="0"/>
+                        <a:t>1985-10-23</a:t>
+                      </a:r>
+                      <a:endParaRPr lang="ru-RU" dirty="0"/>
+                    </a:p>
+                  </a:txBody>
+                  <a:tcPr/>
+                </a:tc>
+                <a:extLst>
+                  <a:ext uri="{0D108BD9-81ED-4DB2-BD59-A6C34878D82A}">
+                    <a16:rowId xmlns:a16="http://schemas.microsoft.com/office/drawing/2014/main" val="109181570"/>
+                  </a:ext>
+                </a:extLst>
+              </a:tr>
+              <a:tr h="370840">
+                <a:tc>
+                  <a:txBody>
+                    <a:bodyPr/>
+                    <a:lstStyle/>
+                    <a:p>
+                      <a:r>
+                        <a:rPr lang="en-US"/>
+                        <a:t>Employee #8</a:t>
+                      </a:r>
+                      <a:endParaRPr lang="ru-RU" dirty="0"/>
+                    </a:p>
+                  </a:txBody>
+                  <a:tcPr/>
+                </a:tc>
+                <a:tc>
+                  <a:txBody>
+                    <a:bodyPr/>
+                    <a:lstStyle/>
+                    <a:p>
+                      <a:r>
+                        <a:rPr lang="en-US" dirty="0"/>
+                        <a:t>emp8@company1.test</a:t>
+                      </a:r>
+                      <a:endParaRPr lang="ru-RU" dirty="0"/>
+                    </a:p>
+                  </a:txBody>
+                  <a:tcPr/>
+                </a:tc>
+                <a:tc>
+                  <a:txBody>
+                    <a:bodyPr/>
+                    <a:lstStyle/>
+                    <a:p>
+                      <a:r>
+                        <a:rPr lang="en-US" dirty="0"/>
+                        <a:t>1992-09-08</a:t>
+                      </a:r>
+                      <a:endParaRPr lang="ru-RU" dirty="0"/>
+                    </a:p>
+                  </a:txBody>
+                  <a:tcPr/>
+                </a:tc>
+                <a:extLst>
+                  <a:ext uri="{0D108BD9-81ED-4DB2-BD59-A6C34878D82A}">
+                    <a16:rowId xmlns:a16="http://schemas.microsoft.com/office/drawing/2014/main" val="109181570"/>
+                  </a:ext>
+                </a:extLst>
+              </a:tr>
+              <a:tr h="370840">
+                <a:tc>
+                  <a:txBody>
+                    <a:bodyPr/>
+                    <a:lstStyle/>
+                    <a:p>
+                      <a:r>
+                        <a:rPr lang="en-US"/>
+                        <a:t>Employee #9</a:t>
+                      </a:r>
+                      <a:endParaRPr lang="ru-RU" dirty="0"/>
+                    </a:p>
+                  </a:txBody>
+                  <a:tcPr/>
+                </a:tc>
+                <a:tc>
+                  <a:txBody>
+                    <a:bodyPr/>
+                    <a:lstStyle/>
+                    <a:p>
+                      <a:r>
+                        <a:rPr lang="en-US" dirty="0"/>
+                        <a:t>emp9@company1.test</a:t>
+                      </a:r>
+                      <a:endParaRPr lang="ru-RU" dirty="0"/>
+                    </a:p>
+                  </a:txBody>
+                  <a:tcPr/>
+                </a:tc>
+                <a:tc>
+                  <a:txBody>
+                    <a:bodyPr/>
+                    <a:lstStyle/>
+                    <a:p>
+                      <a:r>
+                        <a:rPr lang="en-US" dirty="0"/>
+                        <a:t>1987-07-22</a:t>
+                      </a:r>
+                      <a:endParaRPr lang="ru-RU" dirty="0"/>
+                    </a:p>
+                  </a:txBody>
+                  <a:tcPr/>
+                </a:tc>
+                <a:extLst>
+                  <a:ext uri="{0D108BD9-81ED-4DB2-BD59-A6C34878D82A}">
+                    <a16:rowId xmlns:a16="http://schemas.microsoft.com/office/drawing/2014/main" val="109181570"/>
+                  </a:ext>
+                </a:extLst>
+              </a:tr>
+              <a:tr h="370840">
+                <a:tc>
+                  <a:txBody>
+                    <a:bodyPr/>
+                    <a:lstStyle/>
+                    <a:p>
+                      <a:r>
+                        <a:rPr lang="en-US"/>
+                        <a:t>Employee #10</a:t>
+                      </a:r>
+                      <a:endParaRPr lang="ru-RU" dirty="0"/>
+                    </a:p>
+                  </a:txBody>
+                  <a:tcPr/>
+                </a:tc>
+                <a:tc>
+                  <a:txBody>
+                    <a:bodyPr/>
+                    <a:lstStyle/>
+                    <a:p>
+                      <a:r>
+                        <a:rPr lang="en-US" dirty="0"/>
+                        <a:t>emp10@company1.test</a:t>
+                      </a:r>
+                      <a:endParaRPr lang="ru-RU" dirty="0"/>
+                    </a:p>
+                  </a:txBody>
+                  <a:tcPr/>
+                </a:tc>
+                <a:tc>
+                  <a:txBody>
+                    <a:bodyPr/>
+                    <a:lstStyle/>
+                    <a:p>
+                      <a:r>
+                        <a:rPr lang="en-US" dirty="0"/>
+                        <a:t>1988-02-22</a:t>
+                      </a:r>
+                      <a:endParaRPr lang="ru-RU" dirty="0"/>
+                    </a:p>
+                  </a:txBody>
+                  <a:tcPr/>
+                </a:tc>
+                <a:extLst>
+                  <a:ext uri="{0D108BD9-81ED-4DB2-BD59-A6C34878D82A}">
+                    <a16:rowId xmlns:a16="http://schemas.microsoft.com/office/drawing/2014/main" val="109181570"/>
+                  </a:ext>
+                </a:extLst>
+              </a:tr>
+              <a:tr h="370840">
+                <a:tc>
+                  <a:txBody>
+                    <a:bodyPr/>
+                    <a:lstStyle/>
+                    <a:p>
+                      <a:r>
+                        <a:rPr lang="en-US"/>
+                        <a:t>Employee #11</a:t>
+                      </a:r>
+                      <a:endParaRPr lang="ru-RU" dirty="0"/>
+                    </a:p>
+                  </a:txBody>
+                  <a:tcPr/>
+                </a:tc>
+                <a:tc>
+                  <a:txBody>
+                    <a:bodyPr/>
+                    <a:lstStyle/>
+                    <a:p>
+                      <a:r>
+                        <a:rPr lang="en-US" dirty="0"/>
+                        <a:t>emp11@company1.test</a:t>
+                      </a:r>
+                      <a:endParaRPr lang="ru-RU" dirty="0"/>
+                    </a:p>
+                  </a:txBody>
+                  <a:tcPr/>
+                </a:tc>
+                <a:tc>
+                  <a:txBody>
+                    <a:bodyPr/>
+                    <a:lstStyle/>
+                    <a:p>
+                      <a:r>
+                        <a:rPr lang="en-US" dirty="0"/>
+                        <a:t>1981-06-07</a:t>
                       </a:r>
                       <a:endParaRPr lang="ru-RU" dirty="0"/>
                     </a:p>
@@ -4482,16 +4787,16 @@
       </p:graphicFrame>
       <p:pic>
         <p:nvPicPr>
-          <p:cNvPr id="3" name="Image Shape cd97e559-b1b9-43a2-a4ec-4f6ac34278f8"/>
+          <p:cNvPr id="3" name="Image Shape d68f5bec-19e9-4f85-95ed-636b84ec9a82"/>
           <p:cNvPicPr>
             <a:picLocks noChangeAspect="1"/>
           </p:cNvPicPr>
           <p:nvPr/>
         </p:nvPicPr>
         <p:blipFill>
-          <a:blip r:embed="R0bcd0178dcf24c24">
-            <a:extLst>
-              <a:ext uri="{cd97e559-b1b9-43a2-a4ec-4f6ac34278f8}">
+          <a:blip r:embed="R888d836e373d4c9d">
+            <a:extLst>
+              <a:ext uri="{d68f5bec-19e9-4f85-95ed-636b84ec9a82}">
                 <a14:useLocalDpi xmlns:a14="http://schemas.microsoft.com/office/drawing/2010/main" val="0"/>
               </a:ext>
             </a:extLst>
@@ -4725,7 +5030,7 @@
                     <a:p>
                       <a:r>
                         <a:rPr lang="en-US" dirty="0"/>
-                        <a:t>1989-02-28</a:t>
+                        <a:t>1987-07-13</a:t>
                       </a:r>
                       <a:endParaRPr lang="ru-RU" dirty="0"/>
                     </a:p>
@@ -4774,7 +5079,7 @@
                     <a:p>
                       <a:r>
                         <a:rPr lang="en-US" dirty="0"/>
-                        <a:t>1989-02-12</a:t>
+                        <a:t>1995-10-24</a:t>
                       </a:r>
                       <a:endParaRPr lang="ru-RU" dirty="0"/>
                     </a:p>
@@ -4823,7 +5128,7 @@
                     <a:p>
                       <a:r>
                         <a:rPr lang="en-US" dirty="0"/>
-                        <a:t>1991-07-20</a:t>
+                        <a:t>1997-11-10</a:t>
                       </a:r>
                       <a:endParaRPr lang="ru-RU" dirty="0"/>
                     </a:p>
@@ -4872,7 +5177,7 @@
                     <a:p>
                       <a:r>
                         <a:rPr lang="en-US" dirty="0"/>
-                        <a:t>1990-04-19</a:t>
+                        <a:t>1983-01-14</a:t>
                       </a:r>
                       <a:endParaRPr lang="ru-RU" dirty="0"/>
                     </a:p>
@@ -4921,7 +5226,7 @@
                     <a:p>
                       <a:r>
                         <a:rPr lang="en-US" dirty="0"/>
-                        <a:t>1984-03-26</a:t>
+                        <a:t>1985-08-22</a:t>
                       </a:r>
                       <a:endParaRPr lang="ru-RU" dirty="0"/>
                     </a:p>
@@ -4970,7 +5275,7 @@
                     <a:p>
                       <a:r>
                         <a:rPr lang="en-US" dirty="0"/>
-                        <a:t>1987-05-03</a:t>
+                        <a:t>1993-08-27</a:t>
                       </a:r>
                       <a:endParaRPr lang="ru-RU" dirty="0"/>
                     </a:p>
@@ -5019,154 +5324,7 @@
                     <a:p>
                       <a:r>
                         <a:rPr lang="en-US" dirty="0"/>
-                        <a:t>1982-09-25</a:t>
-                      </a:r>
-                      <a:endParaRPr lang="ru-RU" dirty="0"/>
-                    </a:p>
-                  </a:txBody>
-                  <a:tcPr/>
-                </a:tc>
-                <a:extLst>
-                  <a:ext uri="{0D108BD9-81ED-4DB2-BD59-A6C34878D82A}">
-                    <a16:rowId xmlns:a16="http://schemas.microsoft.com/office/drawing/2014/main" val="109181570"/>
-                  </a:ext>
-                </a:extLst>
-              </a:tr>
-              <a:tr h="370840">
-                <a:tc>
-                  <a:txBody>
-                    <a:bodyPr/>
-                    <a:lstStyle/>
-                    <a:p>
-                      <a:r>
-                        <a:rPr lang="en-US"/>
-                        <a:t>Employee #8</a:t>
-                      </a:r>
-                      <a:endParaRPr lang="ru-RU" dirty="0"/>
-                    </a:p>
-                  </a:txBody>
-                  <a:tcPr/>
-                </a:tc>
-                <a:tc>
-                  <a:txBody>
-                    <a:bodyPr/>
-                    <a:lstStyle/>
-                    <a:p>
-                      <a:r>
-                        <a:rPr lang="en-US" dirty="0"/>
-                        <a:t>emp8@company2.test</a:t>
-                      </a:r>
-                      <a:endParaRPr lang="ru-RU" dirty="0"/>
-                    </a:p>
-                  </a:txBody>
-                  <a:tcPr/>
-                </a:tc>
-                <a:tc>
-                  <a:txBody>
-                    <a:bodyPr/>
-                    <a:lstStyle/>
-                    <a:p>
-                      <a:r>
-                        <a:rPr lang="en-US" dirty="0"/>
-                        <a:t>1981-03-25</a:t>
-                      </a:r>
-                      <a:endParaRPr lang="ru-RU" dirty="0"/>
-                    </a:p>
-                  </a:txBody>
-                  <a:tcPr/>
-                </a:tc>
-                <a:extLst>
-                  <a:ext uri="{0D108BD9-81ED-4DB2-BD59-A6C34878D82A}">
-                    <a16:rowId xmlns:a16="http://schemas.microsoft.com/office/drawing/2014/main" val="109181570"/>
-                  </a:ext>
-                </a:extLst>
-              </a:tr>
-              <a:tr h="370840">
-                <a:tc>
-                  <a:txBody>
-                    <a:bodyPr/>
-                    <a:lstStyle/>
-                    <a:p>
-                      <a:r>
-                        <a:rPr lang="en-US"/>
-                        <a:t>Employee #9</a:t>
-                      </a:r>
-                      <a:endParaRPr lang="ru-RU" dirty="0"/>
-                    </a:p>
-                  </a:txBody>
-                  <a:tcPr/>
-                </a:tc>
-                <a:tc>
-                  <a:txBody>
-                    <a:bodyPr/>
-                    <a:lstStyle/>
-                    <a:p>
-                      <a:r>
-                        <a:rPr lang="en-US" dirty="0"/>
-                        <a:t>emp9@company2.test</a:t>
-                      </a:r>
-                      <a:endParaRPr lang="ru-RU" dirty="0"/>
-                    </a:p>
-                  </a:txBody>
-                  <a:tcPr/>
-                </a:tc>
-                <a:tc>
-                  <a:txBody>
-                    <a:bodyPr/>
-                    <a:lstStyle/>
-                    <a:p>
-                      <a:r>
-                        <a:rPr lang="en-US" dirty="0"/>
-                        <a:t>1990-04-13</a:t>
-                      </a:r>
-                      <a:endParaRPr lang="ru-RU" dirty="0"/>
-                    </a:p>
-                  </a:txBody>
-                  <a:tcPr/>
-                </a:tc>
-                <a:extLst>
-                  <a:ext uri="{0D108BD9-81ED-4DB2-BD59-A6C34878D82A}">
-                    <a16:rowId xmlns:a16="http://schemas.microsoft.com/office/drawing/2014/main" val="109181570"/>
-                  </a:ext>
-                </a:extLst>
-              </a:tr>
-              <a:tr h="370840">
-                <a:tc>
-                  <a:txBody>
-                    <a:bodyPr/>
-                    <a:lstStyle/>
-                    <a:p>
-                      <a:r>
-                        <a:rPr lang="en-US"/>
-                        <a:t>Employee #10</a:t>
-                      </a:r>
-                      <a:endParaRPr lang="ru-RU" dirty="0"/>
-                    </a:p>
-                  </a:txBody>
-                  <a:tcPr/>
-                </a:tc>
-                <a:tc>
-                  <a:txBody>
-                    <a:bodyPr/>
-                    <a:lstStyle/>
-                    <a:p>
-                      <a:r>
-                        <a:rPr lang="en-US" dirty="0"/>
-                        <a:t>emp10@company2.test</a:t>
-                      </a:r>
-                      <a:endParaRPr lang="ru-RU" dirty="0"/>
-                    </a:p>
-                  </a:txBody>
-                  <a:tcPr/>
-                </a:tc>
-                <a:tc>
-                  <a:txBody>
-                    <a:bodyPr/>
-                    <a:lstStyle/>
-                    <a:p>
-                      <a:r>
-                        <a:rPr lang="en-US" dirty="0"/>
-                        <a:t>1995-02-12</a:t>
+                        <a:t>1986-09-24</a:t>
                       </a:r>
                       <a:endParaRPr lang="ru-RU" dirty="0"/>
                     </a:p>
@@ -5185,16 +5343,16 @@
       </p:graphicFrame>
       <p:pic>
         <p:nvPicPr>
-          <p:cNvPr id="3" name="Image Shape a9cefc46-99c4-4f4b-9885-b09b097c5e62"/>
+          <p:cNvPr id="3" name="Image Shape 5f02bdbe-3078-4d42-9cba-1af82d6b27ef"/>
           <p:cNvPicPr>
             <a:picLocks noChangeAspect="1"/>
           </p:cNvPicPr>
           <p:nvPr/>
         </p:nvPicPr>
         <p:blipFill>
-          <a:blip r:embed="Rebc742426e514318">
-            <a:extLst>
-              <a:ext uri="{a9cefc46-99c4-4f4b-9885-b09b097c5e62}">
+          <a:blip r:embed="R73af9db3f2fc430d">
+            <a:extLst>
+              <a:ext uri="{5f02bdbe-3078-4d42-9cba-1af82d6b27ef}">
                 <a14:useLocalDpi xmlns:a14="http://schemas.microsoft.com/office/drawing/2010/main" val="0"/>
               </a:ext>
             </a:extLst>
@@ -5428,7 +5586,7 @@
                     <a:p>
                       <a:r>
                         <a:rPr lang="en-US" dirty="0"/>
-                        <a:t>1992-05-17</a:t>
+                        <a:t>1998-11-26</a:t>
                       </a:r>
                       <a:endParaRPr lang="ru-RU" dirty="0"/>
                     </a:p>
@@ -5477,7 +5635,7 @@
                     <a:p>
                       <a:r>
                         <a:rPr lang="en-US" dirty="0"/>
-                        <a:t>1990-07-21</a:t>
+                        <a:t>1993-11-13</a:t>
                       </a:r>
                       <a:endParaRPr lang="ru-RU" dirty="0"/>
                     </a:p>
@@ -5526,7 +5684,7 @@
                     <a:p>
                       <a:r>
                         <a:rPr lang="en-US" dirty="0"/>
-                        <a:t>1996-02-09</a:t>
+                        <a:t>1987-11-20</a:t>
                       </a:r>
                       <a:endParaRPr lang="ru-RU" dirty="0"/>
                     </a:p>
@@ -5575,7 +5733,7 @@
                     <a:p>
                       <a:r>
                         <a:rPr lang="en-US" dirty="0"/>
-                        <a:t>1997-06-24</a:t>
+                        <a:t>1985-08-15</a:t>
                       </a:r>
                       <a:endParaRPr lang="ru-RU" dirty="0"/>
                     </a:p>
@@ -5624,7 +5782,7 @@
                     <a:p>
                       <a:r>
                         <a:rPr lang="en-US" dirty="0"/>
-                        <a:t>1988-06-04</a:t>
+                        <a:t>1998-05-25</a:t>
                       </a:r>
                       <a:endParaRPr lang="ru-RU" dirty="0"/>
                     </a:p>
@@ -5673,7 +5831,7 @@
                     <a:p>
                       <a:r>
                         <a:rPr lang="en-US" dirty="0"/>
-                        <a:t>1985-11-06</a:t>
+                        <a:t>1998-09-05</a:t>
                       </a:r>
                       <a:endParaRPr lang="ru-RU" dirty="0"/>
                     </a:p>
@@ -5722,7 +5880,7 @@
                     <a:p>
                       <a:r>
                         <a:rPr lang="en-US" dirty="0"/>
-                        <a:t>1998-10-07</a:t>
+                        <a:t>1986-10-02</a:t>
                       </a:r>
                       <a:endParaRPr lang="ru-RU" dirty="0"/>
                     </a:p>
@@ -5771,56 +5929,7 @@
                     <a:p>
                       <a:r>
                         <a:rPr lang="en-US" dirty="0"/>
-                        <a:t>1983-08-05</a:t>
-                      </a:r>
-                      <a:endParaRPr lang="ru-RU" dirty="0"/>
-                    </a:p>
-                  </a:txBody>
-                  <a:tcPr/>
-                </a:tc>
-                <a:extLst>
-                  <a:ext uri="{0D108BD9-81ED-4DB2-BD59-A6C34878D82A}">
-                    <a16:rowId xmlns:a16="http://schemas.microsoft.com/office/drawing/2014/main" val="109181570"/>
-                  </a:ext>
-                </a:extLst>
-              </a:tr>
-              <a:tr h="370840">
-                <a:tc>
-                  <a:txBody>
-                    <a:bodyPr/>
-                    <a:lstStyle/>
-                    <a:p>
-                      <a:r>
-                        <a:rPr lang="en-US"/>
-                        <a:t>Employee #9</a:t>
-                      </a:r>
-                      <a:endParaRPr lang="ru-RU" dirty="0"/>
-                    </a:p>
-                  </a:txBody>
-                  <a:tcPr/>
-                </a:tc>
-                <a:tc>
-                  <a:txBody>
-                    <a:bodyPr/>
-                    <a:lstStyle/>
-                    <a:p>
-                      <a:r>
-                        <a:rPr lang="en-US" dirty="0"/>
-                        <a:t>emp9@company3.test</a:t>
-                      </a:r>
-                      <a:endParaRPr lang="ru-RU" dirty="0"/>
-                    </a:p>
-                  </a:txBody>
-                  <a:tcPr/>
-                </a:tc>
-                <a:tc>
-                  <a:txBody>
-                    <a:bodyPr/>
-                    <a:lstStyle/>
-                    <a:p>
-                      <a:r>
-                        <a:rPr lang="en-US" dirty="0"/>
-                        <a:t>1984-10-20</a:t>
+                        <a:t>1996-05-12</a:t>
                       </a:r>
                       <a:endParaRPr lang="ru-RU" dirty="0"/>
                     </a:p>
@@ -5839,16 +5948,16 @@
       </p:graphicFrame>
       <p:pic>
         <p:nvPicPr>
-          <p:cNvPr id="3" name="Image Shape 89d8dc7d-78ae-4c2c-b94d-a2d7f2d8d113"/>
+          <p:cNvPr id="3" name="Image Shape 4cad7403-4363-48af-a849-632811a40d9c"/>
           <p:cNvPicPr>
             <a:picLocks noChangeAspect="1"/>
           </p:cNvPicPr>
           <p:nvPr/>
         </p:nvPicPr>
         <p:blipFill>
-          <a:blip r:embed="Rc85cfeca9f8b47e2">
-            <a:extLst>
-              <a:ext uri="{89d8dc7d-78ae-4c2c-b94d-a2d7f2d8d113}">
+          <a:blip r:embed="Rd068e250f30046ce">
+            <a:extLst>
+              <a:ext uri="{4cad7403-4363-48af-a849-632811a40d9c}">
                 <a14:useLocalDpi xmlns:a14="http://schemas.microsoft.com/office/drawing/2010/main" val="0"/>
               </a:ext>
             </a:extLst>
